--- a/Presentation2.pptx
+++ b/Presentation2.pptx
@@ -198,7 +198,7 @@
               <a:tailEnd/>
             </a:ln>
             <a:extLst>
-              <a:ext uri="{909E8E84-426E-40DD-AFC4-6F175D3DCCD1}">
+              <a:ext uri="{909E8E84-426E-40dd-AFC4-6F175D3DCCD1}">
                 <a14:hiddenFill xmlns:a14="http://schemas.microsoft.com/office/drawing/2010/main">
                   <a:solidFill>
                     <a:srgbClr val="FFFFFF"/>
@@ -266,7 +266,7 @@
               <a:tailEnd/>
             </a:ln>
             <a:extLst>
-              <a:ext uri="{909E8E84-426E-40DD-AFC4-6F175D3DCCD1}">
+              <a:ext uri="{909E8E84-426E-40dd-AFC4-6F175D3DCCD1}">
                 <a14:hiddenFill xmlns:a14="http://schemas.microsoft.com/office/drawing/2010/main">
                   <a:solidFill>
                     <a:srgbClr val="FFFFFF"/>
@@ -339,7 +339,7 @@
               <a:tailEnd/>
             </a:ln>
             <a:extLst>
-              <a:ext uri="{909E8E84-426E-40DD-AFC4-6F175D3DCCD1}">
+              <a:ext uri="{909E8E84-426E-40dd-AFC4-6F175D3DCCD1}">
                 <a14:hiddenFill xmlns:a14="http://schemas.microsoft.com/office/drawing/2010/main">
                   <a:solidFill>
                     <a:srgbClr val="FFFFFF"/>
@@ -402,7 +402,7 @@
               <a:tailEnd/>
             </a:ln>
             <a:extLst>
-              <a:ext uri="{909E8E84-426E-40DD-AFC4-6F175D3DCCD1}">
+              <a:ext uri="{909E8E84-426E-40dd-AFC4-6F175D3DCCD1}">
                 <a14:hiddenFill xmlns:a14="http://schemas.microsoft.com/office/drawing/2010/main">
                   <a:solidFill>
                     <a:srgbClr val="FFFFFF"/>
@@ -455,7 +455,7 @@
               <a:tailEnd/>
             </a:ln>
             <a:extLst>
-              <a:ext uri="{909E8E84-426E-40DD-AFC4-6F175D3DCCD1}">
+              <a:ext uri="{909E8E84-426E-40dd-AFC4-6F175D3DCCD1}">
                 <a14:hiddenFill xmlns:a14="http://schemas.microsoft.com/office/drawing/2010/main">
                   <a:solidFill>
                     <a:srgbClr val="FFFFFF"/>
@@ -518,7 +518,7 @@
               <a:tailEnd/>
             </a:ln>
             <a:extLst>
-              <a:ext uri="{909E8E84-426E-40DD-AFC4-6F175D3DCCD1}">
+              <a:ext uri="{909E8E84-426E-40dd-AFC4-6F175D3DCCD1}">
                 <a14:hiddenFill xmlns:a14="http://schemas.microsoft.com/office/drawing/2010/main">
                   <a:solidFill>
                     <a:srgbClr val="FFFFFF"/>
@@ -576,7 +576,7 @@
               <a:tailEnd/>
             </a:ln>
             <a:extLst>
-              <a:ext uri="{909E8E84-426E-40DD-AFC4-6F175D3DCCD1}">
+              <a:ext uri="{909E8E84-426E-40dd-AFC4-6F175D3DCCD1}">
                 <a14:hiddenFill xmlns:a14="http://schemas.microsoft.com/office/drawing/2010/main">
                   <a:solidFill>
                     <a:srgbClr val="FFFFFF"/>
@@ -629,7 +629,7 @@
               <a:tailEnd/>
             </a:ln>
             <a:extLst>
-              <a:ext uri="{909E8E84-426E-40DD-AFC4-6F175D3DCCD1}">
+              <a:ext uri="{909E8E84-426E-40dd-AFC4-6F175D3DCCD1}">
                 <a14:hiddenFill xmlns:a14="http://schemas.microsoft.com/office/drawing/2010/main">
                   <a:solidFill>
                     <a:srgbClr val="FFFFFF"/>
@@ -687,7 +687,7 @@
               <a:tailEnd/>
             </a:ln>
             <a:extLst>
-              <a:ext uri="{909E8E84-426E-40DD-AFC4-6F175D3DCCD1}">
+              <a:ext uri="{909E8E84-426E-40dd-AFC4-6F175D3DCCD1}">
                 <a14:hiddenFill xmlns:a14="http://schemas.microsoft.com/office/drawing/2010/main">
                   <a:solidFill>
                     <a:srgbClr val="FFFFFF"/>
@@ -740,7 +740,7 @@
               <a:tailEnd/>
             </a:ln>
             <a:extLst>
-              <a:ext uri="{909E8E84-426E-40DD-AFC4-6F175D3DCCD1}">
+              <a:ext uri="{909E8E84-426E-40dd-AFC4-6F175D3DCCD1}">
                 <a14:hiddenFill xmlns:a14="http://schemas.microsoft.com/office/drawing/2010/main">
                   <a:solidFill>
                     <a:srgbClr val="FFFFFF"/>
@@ -798,7 +798,7 @@
               <a:tailEnd/>
             </a:ln>
             <a:extLst>
-              <a:ext uri="{909E8E84-426E-40DD-AFC4-6F175D3DCCD1}">
+              <a:ext uri="{909E8E84-426E-40dd-AFC4-6F175D3DCCD1}">
                 <a14:hiddenFill xmlns:a14="http://schemas.microsoft.com/office/drawing/2010/main">
                   <a:solidFill>
                     <a:srgbClr val="FFFFFF"/>
@@ -851,7 +851,7 @@
               <a:tailEnd/>
             </a:ln>
             <a:extLst>
-              <a:ext uri="{909E8E84-426E-40DD-AFC4-6F175D3DCCD1}">
+              <a:ext uri="{909E8E84-426E-40dd-AFC4-6F175D3DCCD1}">
                 <a14:hiddenFill xmlns:a14="http://schemas.microsoft.com/office/drawing/2010/main">
                   <a:solidFill>
                     <a:srgbClr val="FFFFFF"/>
@@ -909,7 +909,7 @@
               <a:tailEnd/>
             </a:ln>
             <a:extLst>
-              <a:ext uri="{909E8E84-426E-40DD-AFC4-6F175D3DCCD1}">
+              <a:ext uri="{909E8E84-426E-40dd-AFC4-6F175D3DCCD1}">
                 <a14:hiddenFill xmlns:a14="http://schemas.microsoft.com/office/drawing/2010/main">
                   <a:solidFill>
                     <a:srgbClr val="FFFFFF"/>
@@ -967,7 +967,7 @@
               <a:tailEnd/>
             </a:ln>
             <a:extLst>
-              <a:ext uri="{909E8E84-426E-40DD-AFC4-6F175D3DCCD1}">
+              <a:ext uri="{909E8E84-426E-40dd-AFC4-6F175D3DCCD1}">
                 <a14:hiddenFill xmlns:a14="http://schemas.microsoft.com/office/drawing/2010/main">
                   <a:solidFill>
                     <a:srgbClr val="FFFFFF"/>
@@ -1025,7 +1025,7 @@
               <a:tailEnd/>
             </a:ln>
             <a:extLst>
-              <a:ext uri="{909E8E84-426E-40DD-AFC4-6F175D3DCCD1}">
+              <a:ext uri="{909E8E84-426E-40dd-AFC4-6F175D3DCCD1}">
                 <a14:hiddenFill xmlns:a14="http://schemas.microsoft.com/office/drawing/2010/main">
                   <a:solidFill>
                     <a:srgbClr val="FFFFFF"/>
@@ -1078,7 +1078,7 @@
               <a:tailEnd/>
             </a:ln>
             <a:extLst>
-              <a:ext uri="{909E8E84-426E-40DD-AFC4-6F175D3DCCD1}">
+              <a:ext uri="{909E8E84-426E-40dd-AFC4-6F175D3DCCD1}">
                 <a14:hiddenFill xmlns:a14="http://schemas.microsoft.com/office/drawing/2010/main">
                   <a:solidFill>
                     <a:srgbClr val="FFFFFF"/>
@@ -1131,7 +1131,7 @@
               <a:tailEnd/>
             </a:ln>
             <a:extLst>
-              <a:ext uri="{909E8E84-426E-40DD-AFC4-6F175D3DCCD1}">
+              <a:ext uri="{909E8E84-426E-40dd-AFC4-6F175D3DCCD1}">
                 <a14:hiddenFill xmlns:a14="http://schemas.microsoft.com/office/drawing/2010/main">
                   <a:solidFill>
                     <a:srgbClr val="FFFFFF"/>
@@ -1184,7 +1184,7 @@
               <a:tailEnd/>
             </a:ln>
             <a:extLst>
-              <a:ext uri="{909E8E84-426E-40DD-AFC4-6F175D3DCCD1}">
+              <a:ext uri="{909E8E84-426E-40dd-AFC4-6F175D3DCCD1}">
                 <a14:hiddenFill xmlns:a14="http://schemas.microsoft.com/office/drawing/2010/main">
                   <a:solidFill>
                     <a:srgbClr val="FFFFFF"/>
@@ -1237,7 +1237,7 @@
               <a:tailEnd/>
             </a:ln>
             <a:extLst>
-              <a:ext uri="{909E8E84-426E-40DD-AFC4-6F175D3DCCD1}">
+              <a:ext uri="{909E8E84-426E-40dd-AFC4-6F175D3DCCD1}">
                 <a14:hiddenFill xmlns:a14="http://schemas.microsoft.com/office/drawing/2010/main">
                   <a:solidFill>
                     <a:srgbClr val="FFFFFF"/>
@@ -1519,7 +1519,7 @@
             <a:fld id="{5923F103-BC34-4FE4-A40E-EDDEECFDA5D0}" type="datetimeFigureOut">
               <a:rPr lang="en-US" smtClean="0"/>
               <a:pPr/>
-              <a:t>6/27/19</a:t>
+              <a:t>6/28/19</a:t>
             </a:fld>
             <a:endParaRPr lang="en-US" dirty="0"/>
           </a:p>
@@ -1669,7 +1669,7 @@
               <a:tailEnd/>
             </a:ln>
             <a:extLst>
-              <a:ext uri="{909E8E84-426E-40DD-AFC4-6F175D3DCCD1}">
+              <a:ext uri="{909E8E84-426E-40dd-AFC4-6F175D3DCCD1}">
                 <a14:hiddenFill xmlns:a14="http://schemas.microsoft.com/office/drawing/2010/main">
                   <a:solidFill>
                     <a:srgbClr val="FFFFFF"/>
@@ -1722,7 +1722,7 @@
               <a:tailEnd/>
             </a:ln>
             <a:extLst>
-              <a:ext uri="{909E8E84-426E-40DD-AFC4-6F175D3DCCD1}">
+              <a:ext uri="{909E8E84-426E-40dd-AFC4-6F175D3DCCD1}">
                 <a14:hiddenFill xmlns:a14="http://schemas.microsoft.com/office/drawing/2010/main">
                   <a:solidFill>
                     <a:srgbClr val="FFFFFF"/>
@@ -1775,7 +1775,7 @@
               <a:tailEnd/>
             </a:ln>
             <a:extLst>
-              <a:ext uri="{909E8E84-426E-40DD-AFC4-6F175D3DCCD1}">
+              <a:ext uri="{909E8E84-426E-40dd-AFC4-6F175D3DCCD1}">
                 <a14:hiddenFill xmlns:a14="http://schemas.microsoft.com/office/drawing/2010/main">
                   <a:solidFill>
                     <a:srgbClr val="FFFFFF"/>
@@ -1828,7 +1828,7 @@
               <a:tailEnd/>
             </a:ln>
             <a:extLst>
-              <a:ext uri="{909E8E84-426E-40DD-AFC4-6F175D3DCCD1}">
+              <a:ext uri="{909E8E84-426E-40dd-AFC4-6F175D3DCCD1}">
                 <a14:hiddenFill xmlns:a14="http://schemas.microsoft.com/office/drawing/2010/main">
                   <a:solidFill>
                     <a:srgbClr val="FFFFFF"/>
@@ -1881,7 +1881,7 @@
               <a:tailEnd/>
             </a:ln>
             <a:extLst>
-              <a:ext uri="{909E8E84-426E-40DD-AFC4-6F175D3DCCD1}">
+              <a:ext uri="{909E8E84-426E-40dd-AFC4-6F175D3DCCD1}">
                 <a14:hiddenFill xmlns:a14="http://schemas.microsoft.com/office/drawing/2010/main">
                   <a:solidFill>
                     <a:srgbClr val="FFFFFF"/>
@@ -1934,7 +1934,7 @@
               <a:tailEnd/>
             </a:ln>
             <a:extLst>
-              <a:ext uri="{909E8E84-426E-40DD-AFC4-6F175D3DCCD1}">
+              <a:ext uri="{909E8E84-426E-40dd-AFC4-6F175D3DCCD1}">
                 <a14:hiddenFill xmlns:a14="http://schemas.microsoft.com/office/drawing/2010/main">
                   <a:solidFill>
                     <a:srgbClr val="FFFFFF"/>
@@ -1987,7 +1987,7 @@
               <a:tailEnd/>
             </a:ln>
             <a:extLst>
-              <a:ext uri="{909E8E84-426E-40DD-AFC4-6F175D3DCCD1}">
+              <a:ext uri="{909E8E84-426E-40dd-AFC4-6F175D3DCCD1}">
                 <a14:hiddenFill xmlns:a14="http://schemas.microsoft.com/office/drawing/2010/main">
                   <a:solidFill>
                     <a:srgbClr val="FFFFFF"/>
@@ -2040,7 +2040,7 @@
               <a:tailEnd/>
             </a:ln>
             <a:extLst>
-              <a:ext uri="{909E8E84-426E-40DD-AFC4-6F175D3DCCD1}">
+              <a:ext uri="{909E8E84-426E-40dd-AFC4-6F175D3DCCD1}">
                 <a14:hiddenFill xmlns:a14="http://schemas.microsoft.com/office/drawing/2010/main">
                   <a:solidFill>
                     <a:srgbClr val="FFFFFF"/>
@@ -2093,7 +2093,7 @@
               <a:tailEnd/>
             </a:ln>
             <a:extLst>
-              <a:ext uri="{909E8E84-426E-40DD-AFC4-6F175D3DCCD1}">
+              <a:ext uri="{909E8E84-426E-40dd-AFC4-6F175D3DCCD1}">
                 <a14:hiddenFill xmlns:a14="http://schemas.microsoft.com/office/drawing/2010/main">
                   <a:solidFill>
                     <a:srgbClr val="FFFFFF"/>
@@ -2146,7 +2146,7 @@
               <a:tailEnd/>
             </a:ln>
             <a:extLst>
-              <a:ext uri="{909E8E84-426E-40DD-AFC4-6F175D3DCCD1}">
+              <a:ext uri="{909E8E84-426E-40dd-AFC4-6F175D3DCCD1}">
                 <a14:hiddenFill xmlns:a14="http://schemas.microsoft.com/office/drawing/2010/main">
                   <a:solidFill>
                     <a:srgbClr val="FFFFFF"/>
@@ -2199,7 +2199,7 @@
               <a:tailEnd/>
             </a:ln>
             <a:extLst>
-              <a:ext uri="{909E8E84-426E-40DD-AFC4-6F175D3DCCD1}">
+              <a:ext uri="{909E8E84-426E-40dd-AFC4-6F175D3DCCD1}">
                 <a14:hiddenFill xmlns:a14="http://schemas.microsoft.com/office/drawing/2010/main">
                   <a:solidFill>
                     <a:srgbClr val="FFFFFF"/>
@@ -2252,7 +2252,7 @@
               <a:tailEnd/>
             </a:ln>
             <a:extLst>
-              <a:ext uri="{909E8E84-426E-40DD-AFC4-6F175D3DCCD1}">
+              <a:ext uri="{909E8E84-426E-40dd-AFC4-6F175D3DCCD1}">
                 <a14:hiddenFill xmlns:a14="http://schemas.microsoft.com/office/drawing/2010/main">
                   <a:solidFill>
                     <a:srgbClr val="FFFFFF"/>
@@ -2305,7 +2305,7 @@
               <a:tailEnd/>
             </a:ln>
             <a:extLst>
-              <a:ext uri="{909E8E84-426E-40DD-AFC4-6F175D3DCCD1}">
+              <a:ext uri="{909E8E84-426E-40dd-AFC4-6F175D3DCCD1}">
                 <a14:hiddenFill xmlns:a14="http://schemas.microsoft.com/office/drawing/2010/main">
                   <a:solidFill>
                     <a:srgbClr val="FFFFFF"/>
@@ -2358,7 +2358,7 @@
               <a:tailEnd/>
             </a:ln>
             <a:extLst>
-              <a:ext uri="{909E8E84-426E-40DD-AFC4-6F175D3DCCD1}">
+              <a:ext uri="{909E8E84-426E-40dd-AFC4-6F175D3DCCD1}">
                 <a14:hiddenFill xmlns:a14="http://schemas.microsoft.com/office/drawing/2010/main">
                   <a:solidFill>
                     <a:srgbClr val="FFFFFF"/>
@@ -2411,7 +2411,7 @@
               <a:tailEnd/>
             </a:ln>
             <a:extLst>
-              <a:ext uri="{909E8E84-426E-40DD-AFC4-6F175D3DCCD1}">
+              <a:ext uri="{909E8E84-426E-40dd-AFC4-6F175D3DCCD1}">
                 <a14:hiddenFill xmlns:a14="http://schemas.microsoft.com/office/drawing/2010/main">
                   <a:solidFill>
                     <a:srgbClr val="FFFFFF"/>
@@ -2464,7 +2464,7 @@
               <a:tailEnd/>
             </a:ln>
             <a:extLst>
-              <a:ext uri="{909E8E84-426E-40DD-AFC4-6F175D3DCCD1}">
+              <a:ext uri="{909E8E84-426E-40dd-AFC4-6F175D3DCCD1}">
                 <a14:hiddenFill xmlns:a14="http://schemas.microsoft.com/office/drawing/2010/main">
                   <a:solidFill>
                     <a:srgbClr val="FFFFFF"/>
@@ -2517,7 +2517,7 @@
               <a:tailEnd/>
             </a:ln>
             <a:extLst>
-              <a:ext uri="{909E8E84-426E-40DD-AFC4-6F175D3DCCD1}">
+              <a:ext uri="{909E8E84-426E-40dd-AFC4-6F175D3DCCD1}">
                 <a14:hiddenFill xmlns:a14="http://schemas.microsoft.com/office/drawing/2010/main">
                   <a:solidFill>
                     <a:srgbClr val="FFFFFF"/>
@@ -2570,7 +2570,7 @@
               <a:tailEnd/>
             </a:ln>
             <a:extLst>
-              <a:ext uri="{909E8E84-426E-40DD-AFC4-6F175D3DCCD1}">
+              <a:ext uri="{909E8E84-426E-40dd-AFC4-6F175D3DCCD1}">
                 <a14:hiddenFill xmlns:a14="http://schemas.microsoft.com/office/drawing/2010/main">
                   <a:solidFill>
                     <a:srgbClr val="FFFFFF"/>
@@ -2623,7 +2623,7 @@
               <a:tailEnd/>
             </a:ln>
             <a:extLst>
-              <a:ext uri="{909E8E84-426E-40DD-AFC4-6F175D3DCCD1}">
+              <a:ext uri="{909E8E84-426E-40dd-AFC4-6F175D3DCCD1}">
                 <a14:hiddenFill xmlns:a14="http://schemas.microsoft.com/office/drawing/2010/main">
                   <a:solidFill>
                     <a:srgbClr val="FFFFFF"/>
@@ -2676,7 +2676,7 @@
               <a:tailEnd/>
             </a:ln>
             <a:extLst>
-              <a:ext uri="{909E8E84-426E-40DD-AFC4-6F175D3DCCD1}">
+              <a:ext uri="{909E8E84-426E-40dd-AFC4-6F175D3DCCD1}">
                 <a14:hiddenFill xmlns:a14="http://schemas.microsoft.com/office/drawing/2010/main">
                   <a:solidFill>
                     <a:srgbClr val="FFFFFF"/>
@@ -2729,7 +2729,7 @@
               <a:tailEnd/>
             </a:ln>
             <a:extLst>
-              <a:ext uri="{909E8E84-426E-40DD-AFC4-6F175D3DCCD1}">
+              <a:ext uri="{909E8E84-426E-40dd-AFC4-6F175D3DCCD1}">
                 <a14:hiddenFill xmlns:a14="http://schemas.microsoft.com/office/drawing/2010/main">
                   <a:solidFill>
                     <a:srgbClr val="FFFFFF"/>
@@ -2979,7 +2979,7 @@
           <a:p>
             <a:fld id="{53086D93-FCAC-47E0-A2EE-787E62CA814C}" type="datetimeFigureOut">
               <a:rPr lang="en-US" smtClean="0"/>
-              <a:t>6/27/19</a:t>
+              <a:t>6/28/19</a:t>
             </a:fld>
             <a:endParaRPr lang="en-US" dirty="0"/>
           </a:p>
@@ -3115,7 +3115,7 @@
               <a:tailEnd/>
             </a:ln>
             <a:extLst>
-              <a:ext uri="{909E8E84-426E-40DD-AFC4-6F175D3DCCD1}">
+              <a:ext uri="{909E8E84-426E-40dd-AFC4-6F175D3DCCD1}">
                 <a14:hiddenFill xmlns:a14="http://schemas.microsoft.com/office/drawing/2010/main">
                   <a:solidFill>
                     <a:srgbClr val="FFFFFF"/>
@@ -3168,7 +3168,7 @@
               <a:tailEnd/>
             </a:ln>
             <a:extLst>
-              <a:ext uri="{909E8E84-426E-40DD-AFC4-6F175D3DCCD1}">
+              <a:ext uri="{909E8E84-426E-40dd-AFC4-6F175D3DCCD1}">
                 <a14:hiddenFill xmlns:a14="http://schemas.microsoft.com/office/drawing/2010/main">
                   <a:solidFill>
                     <a:srgbClr val="FFFFFF"/>
@@ -3221,7 +3221,7 @@
               <a:tailEnd/>
             </a:ln>
             <a:extLst>
-              <a:ext uri="{909E8E84-426E-40DD-AFC4-6F175D3DCCD1}">
+              <a:ext uri="{909E8E84-426E-40dd-AFC4-6F175D3DCCD1}">
                 <a14:hiddenFill xmlns:a14="http://schemas.microsoft.com/office/drawing/2010/main">
                   <a:solidFill>
                     <a:srgbClr val="FFFFFF"/>
@@ -3274,7 +3274,7 @@
               <a:tailEnd/>
             </a:ln>
             <a:extLst>
-              <a:ext uri="{909E8E84-426E-40DD-AFC4-6F175D3DCCD1}">
+              <a:ext uri="{909E8E84-426E-40dd-AFC4-6F175D3DCCD1}">
                 <a14:hiddenFill xmlns:a14="http://schemas.microsoft.com/office/drawing/2010/main">
                   <a:solidFill>
                     <a:srgbClr val="FFFFFF"/>
@@ -3327,7 +3327,7 @@
               <a:tailEnd/>
             </a:ln>
             <a:extLst>
-              <a:ext uri="{909E8E84-426E-40DD-AFC4-6F175D3DCCD1}">
+              <a:ext uri="{909E8E84-426E-40dd-AFC4-6F175D3DCCD1}">
                 <a14:hiddenFill xmlns:a14="http://schemas.microsoft.com/office/drawing/2010/main">
                   <a:solidFill>
                     <a:srgbClr val="FFFFFF"/>
@@ -3380,7 +3380,7 @@
               <a:tailEnd/>
             </a:ln>
             <a:extLst>
-              <a:ext uri="{909E8E84-426E-40DD-AFC4-6F175D3DCCD1}">
+              <a:ext uri="{909E8E84-426E-40dd-AFC4-6F175D3DCCD1}">
                 <a14:hiddenFill xmlns:a14="http://schemas.microsoft.com/office/drawing/2010/main">
                   <a:solidFill>
                     <a:srgbClr val="FFFFFF"/>
@@ -3433,7 +3433,7 @@
               <a:tailEnd/>
             </a:ln>
             <a:extLst>
-              <a:ext uri="{909E8E84-426E-40DD-AFC4-6F175D3DCCD1}">
+              <a:ext uri="{909E8E84-426E-40dd-AFC4-6F175D3DCCD1}">
                 <a14:hiddenFill xmlns:a14="http://schemas.microsoft.com/office/drawing/2010/main">
                   <a:solidFill>
                     <a:srgbClr val="FFFFFF"/>
@@ -3486,7 +3486,7 @@
               <a:tailEnd/>
             </a:ln>
             <a:extLst>
-              <a:ext uri="{909E8E84-426E-40DD-AFC4-6F175D3DCCD1}">
+              <a:ext uri="{909E8E84-426E-40dd-AFC4-6F175D3DCCD1}">
                 <a14:hiddenFill xmlns:a14="http://schemas.microsoft.com/office/drawing/2010/main">
                   <a:solidFill>
                     <a:srgbClr val="FFFFFF"/>
@@ -3539,7 +3539,7 @@
               <a:tailEnd/>
             </a:ln>
             <a:extLst>
-              <a:ext uri="{909E8E84-426E-40DD-AFC4-6F175D3DCCD1}">
+              <a:ext uri="{909E8E84-426E-40dd-AFC4-6F175D3DCCD1}">
                 <a14:hiddenFill xmlns:a14="http://schemas.microsoft.com/office/drawing/2010/main">
                   <a:solidFill>
                     <a:srgbClr val="FFFFFF"/>
@@ -3592,7 +3592,7 @@
               <a:tailEnd/>
             </a:ln>
             <a:extLst>
-              <a:ext uri="{909E8E84-426E-40DD-AFC4-6F175D3DCCD1}">
+              <a:ext uri="{909E8E84-426E-40dd-AFC4-6F175D3DCCD1}">
                 <a14:hiddenFill xmlns:a14="http://schemas.microsoft.com/office/drawing/2010/main">
                   <a:solidFill>
                     <a:srgbClr val="FFFFFF"/>
@@ -3645,7 +3645,7 @@
               <a:tailEnd/>
             </a:ln>
             <a:extLst>
-              <a:ext uri="{909E8E84-426E-40DD-AFC4-6F175D3DCCD1}">
+              <a:ext uri="{909E8E84-426E-40dd-AFC4-6F175D3DCCD1}">
                 <a14:hiddenFill xmlns:a14="http://schemas.microsoft.com/office/drawing/2010/main">
                   <a:solidFill>
                     <a:srgbClr val="FFFFFF"/>
@@ -3698,7 +3698,7 @@
               <a:tailEnd/>
             </a:ln>
             <a:extLst>
-              <a:ext uri="{909E8E84-426E-40DD-AFC4-6F175D3DCCD1}">
+              <a:ext uri="{909E8E84-426E-40dd-AFC4-6F175D3DCCD1}">
                 <a14:hiddenFill xmlns:a14="http://schemas.microsoft.com/office/drawing/2010/main">
                   <a:solidFill>
                     <a:srgbClr val="FFFFFF"/>
@@ -3751,7 +3751,7 @@
               <a:tailEnd/>
             </a:ln>
             <a:extLst>
-              <a:ext uri="{909E8E84-426E-40DD-AFC4-6F175D3DCCD1}">
+              <a:ext uri="{909E8E84-426E-40dd-AFC4-6F175D3DCCD1}">
                 <a14:hiddenFill xmlns:a14="http://schemas.microsoft.com/office/drawing/2010/main">
                   <a:solidFill>
                     <a:srgbClr val="FFFFFF"/>
@@ -3804,7 +3804,7 @@
               <a:tailEnd/>
             </a:ln>
             <a:extLst>
-              <a:ext uri="{909E8E84-426E-40DD-AFC4-6F175D3DCCD1}">
+              <a:ext uri="{909E8E84-426E-40dd-AFC4-6F175D3DCCD1}">
                 <a14:hiddenFill xmlns:a14="http://schemas.microsoft.com/office/drawing/2010/main">
                   <a:solidFill>
                     <a:srgbClr val="FFFFFF"/>
@@ -3857,7 +3857,7 @@
               <a:tailEnd/>
             </a:ln>
             <a:extLst>
-              <a:ext uri="{909E8E84-426E-40DD-AFC4-6F175D3DCCD1}">
+              <a:ext uri="{909E8E84-426E-40dd-AFC4-6F175D3DCCD1}">
                 <a14:hiddenFill xmlns:a14="http://schemas.microsoft.com/office/drawing/2010/main">
                   <a:solidFill>
                     <a:srgbClr val="FFFFFF"/>
@@ -3910,7 +3910,7 @@
               <a:tailEnd/>
             </a:ln>
             <a:extLst>
-              <a:ext uri="{909E8E84-426E-40DD-AFC4-6F175D3DCCD1}">
+              <a:ext uri="{909E8E84-426E-40dd-AFC4-6F175D3DCCD1}">
                 <a14:hiddenFill xmlns:a14="http://schemas.microsoft.com/office/drawing/2010/main">
                   <a:solidFill>
                     <a:srgbClr val="FFFFFF"/>
@@ -3963,7 +3963,7 @@
               <a:tailEnd/>
             </a:ln>
             <a:extLst>
-              <a:ext uri="{909E8E84-426E-40DD-AFC4-6F175D3DCCD1}">
+              <a:ext uri="{909E8E84-426E-40dd-AFC4-6F175D3DCCD1}">
                 <a14:hiddenFill xmlns:a14="http://schemas.microsoft.com/office/drawing/2010/main">
                   <a:solidFill>
                     <a:srgbClr val="FFFFFF"/>
@@ -4016,7 +4016,7 @@
               <a:tailEnd/>
             </a:ln>
             <a:extLst>
-              <a:ext uri="{909E8E84-426E-40DD-AFC4-6F175D3DCCD1}">
+              <a:ext uri="{909E8E84-426E-40dd-AFC4-6F175D3DCCD1}">
                 <a14:hiddenFill xmlns:a14="http://schemas.microsoft.com/office/drawing/2010/main">
                   <a:solidFill>
                     <a:srgbClr val="FFFFFF"/>
@@ -4069,7 +4069,7 @@
               <a:tailEnd/>
             </a:ln>
             <a:extLst>
-              <a:ext uri="{909E8E84-426E-40DD-AFC4-6F175D3DCCD1}">
+              <a:ext uri="{909E8E84-426E-40dd-AFC4-6F175D3DCCD1}">
                 <a14:hiddenFill xmlns:a14="http://schemas.microsoft.com/office/drawing/2010/main">
                   <a:solidFill>
                     <a:srgbClr val="FFFFFF"/>
@@ -4122,7 +4122,7 @@
               <a:tailEnd/>
             </a:ln>
             <a:extLst>
-              <a:ext uri="{909E8E84-426E-40DD-AFC4-6F175D3DCCD1}">
+              <a:ext uri="{909E8E84-426E-40dd-AFC4-6F175D3DCCD1}">
                 <a14:hiddenFill xmlns:a14="http://schemas.microsoft.com/office/drawing/2010/main">
                   <a:solidFill>
                     <a:srgbClr val="FFFFFF"/>
@@ -4175,7 +4175,7 @@
               <a:tailEnd/>
             </a:ln>
             <a:extLst>
-              <a:ext uri="{909E8E84-426E-40DD-AFC4-6F175D3DCCD1}">
+              <a:ext uri="{909E8E84-426E-40dd-AFC4-6F175D3DCCD1}">
                 <a14:hiddenFill xmlns:a14="http://schemas.microsoft.com/office/drawing/2010/main">
                   <a:solidFill>
                     <a:srgbClr val="FFFFFF"/>
@@ -4433,7 +4433,7 @@
           <a:p>
             <a:fld id="{CDA879A6-0FD0-4734-A311-86BFCA472E6E}" type="datetimeFigureOut">
               <a:rPr lang="en-US" smtClean="0"/>
-              <a:t>6/27/19</a:t>
+              <a:t>6/28/19</a:t>
             </a:fld>
             <a:endParaRPr lang="en-US" dirty="0"/>
           </a:p>
@@ -4579,7 +4579,7 @@
               <a:tailEnd/>
             </a:ln>
             <a:extLst>
-              <a:ext uri="{909E8E84-426E-40DD-AFC4-6F175D3DCCD1}">
+              <a:ext uri="{909E8E84-426E-40dd-AFC4-6F175D3DCCD1}">
                 <a14:hiddenFill xmlns:a14="http://schemas.microsoft.com/office/drawing/2010/main">
                   <a:solidFill>
                     <a:srgbClr val="FFFFFF"/>
@@ -4632,7 +4632,7 @@
               <a:tailEnd/>
             </a:ln>
             <a:extLst>
-              <a:ext uri="{909E8E84-426E-40DD-AFC4-6F175D3DCCD1}">
+              <a:ext uri="{909E8E84-426E-40dd-AFC4-6F175D3DCCD1}">
                 <a14:hiddenFill xmlns:a14="http://schemas.microsoft.com/office/drawing/2010/main">
                   <a:solidFill>
                     <a:srgbClr val="FFFFFF"/>
@@ -4685,7 +4685,7 @@
               <a:tailEnd/>
             </a:ln>
             <a:extLst>
-              <a:ext uri="{909E8E84-426E-40DD-AFC4-6F175D3DCCD1}">
+              <a:ext uri="{909E8E84-426E-40dd-AFC4-6F175D3DCCD1}">
                 <a14:hiddenFill xmlns:a14="http://schemas.microsoft.com/office/drawing/2010/main">
                   <a:solidFill>
                     <a:srgbClr val="FFFFFF"/>
@@ -4738,7 +4738,7 @@
               <a:tailEnd/>
             </a:ln>
             <a:extLst>
-              <a:ext uri="{909E8E84-426E-40DD-AFC4-6F175D3DCCD1}">
+              <a:ext uri="{909E8E84-426E-40dd-AFC4-6F175D3DCCD1}">
                 <a14:hiddenFill xmlns:a14="http://schemas.microsoft.com/office/drawing/2010/main">
                   <a:solidFill>
                     <a:srgbClr val="FFFFFF"/>
@@ -4791,7 +4791,7 @@
               <a:tailEnd/>
             </a:ln>
             <a:extLst>
-              <a:ext uri="{909E8E84-426E-40DD-AFC4-6F175D3DCCD1}">
+              <a:ext uri="{909E8E84-426E-40dd-AFC4-6F175D3DCCD1}">
                 <a14:hiddenFill xmlns:a14="http://schemas.microsoft.com/office/drawing/2010/main">
                   <a:solidFill>
                     <a:srgbClr val="FFFFFF"/>
@@ -4844,7 +4844,7 @@
               <a:tailEnd/>
             </a:ln>
             <a:extLst>
-              <a:ext uri="{909E8E84-426E-40DD-AFC4-6F175D3DCCD1}">
+              <a:ext uri="{909E8E84-426E-40dd-AFC4-6F175D3DCCD1}">
                 <a14:hiddenFill xmlns:a14="http://schemas.microsoft.com/office/drawing/2010/main">
                   <a:solidFill>
                     <a:srgbClr val="FFFFFF"/>
@@ -4897,7 +4897,7 @@
               <a:tailEnd/>
             </a:ln>
             <a:extLst>
-              <a:ext uri="{909E8E84-426E-40DD-AFC4-6F175D3DCCD1}">
+              <a:ext uri="{909E8E84-426E-40dd-AFC4-6F175D3DCCD1}">
                 <a14:hiddenFill xmlns:a14="http://schemas.microsoft.com/office/drawing/2010/main">
                   <a:solidFill>
                     <a:srgbClr val="FFFFFF"/>
@@ -4950,7 +4950,7 @@
               <a:tailEnd/>
             </a:ln>
             <a:extLst>
-              <a:ext uri="{909E8E84-426E-40DD-AFC4-6F175D3DCCD1}">
+              <a:ext uri="{909E8E84-426E-40dd-AFC4-6F175D3DCCD1}">
                 <a14:hiddenFill xmlns:a14="http://schemas.microsoft.com/office/drawing/2010/main">
                   <a:solidFill>
                     <a:srgbClr val="FFFFFF"/>
@@ -5003,7 +5003,7 @@
               <a:tailEnd/>
             </a:ln>
             <a:extLst>
-              <a:ext uri="{909E8E84-426E-40DD-AFC4-6F175D3DCCD1}">
+              <a:ext uri="{909E8E84-426E-40dd-AFC4-6F175D3DCCD1}">
                 <a14:hiddenFill xmlns:a14="http://schemas.microsoft.com/office/drawing/2010/main">
                   <a:solidFill>
                     <a:srgbClr val="FFFFFF"/>
@@ -5056,7 +5056,7 @@
               <a:tailEnd/>
             </a:ln>
             <a:extLst>
-              <a:ext uri="{909E8E84-426E-40DD-AFC4-6F175D3DCCD1}">
+              <a:ext uri="{909E8E84-426E-40dd-AFC4-6F175D3DCCD1}">
                 <a14:hiddenFill xmlns:a14="http://schemas.microsoft.com/office/drawing/2010/main">
                   <a:solidFill>
                     <a:srgbClr val="FFFFFF"/>
@@ -5109,7 +5109,7 @@
               <a:tailEnd/>
             </a:ln>
             <a:extLst>
-              <a:ext uri="{909E8E84-426E-40DD-AFC4-6F175D3DCCD1}">
+              <a:ext uri="{909E8E84-426E-40dd-AFC4-6F175D3DCCD1}">
                 <a14:hiddenFill xmlns:a14="http://schemas.microsoft.com/office/drawing/2010/main">
                   <a:solidFill>
                     <a:srgbClr val="FFFFFF"/>
@@ -5162,7 +5162,7 @@
               <a:tailEnd/>
             </a:ln>
             <a:extLst>
-              <a:ext uri="{909E8E84-426E-40DD-AFC4-6F175D3DCCD1}">
+              <a:ext uri="{909E8E84-426E-40dd-AFC4-6F175D3DCCD1}">
                 <a14:hiddenFill xmlns:a14="http://schemas.microsoft.com/office/drawing/2010/main">
                   <a:solidFill>
                     <a:srgbClr val="FFFFFF"/>
@@ -5215,7 +5215,7 @@
               <a:tailEnd/>
             </a:ln>
             <a:extLst>
-              <a:ext uri="{909E8E84-426E-40DD-AFC4-6F175D3DCCD1}">
+              <a:ext uri="{909E8E84-426E-40dd-AFC4-6F175D3DCCD1}">
                 <a14:hiddenFill xmlns:a14="http://schemas.microsoft.com/office/drawing/2010/main">
                   <a:solidFill>
                     <a:srgbClr val="FFFFFF"/>
@@ -5268,7 +5268,7 @@
               <a:tailEnd/>
             </a:ln>
             <a:extLst>
-              <a:ext uri="{909E8E84-426E-40DD-AFC4-6F175D3DCCD1}">
+              <a:ext uri="{909E8E84-426E-40dd-AFC4-6F175D3DCCD1}">
                 <a14:hiddenFill xmlns:a14="http://schemas.microsoft.com/office/drawing/2010/main">
                   <a:solidFill>
                     <a:srgbClr val="FFFFFF"/>
@@ -5321,7 +5321,7 @@
               <a:tailEnd/>
             </a:ln>
             <a:extLst>
-              <a:ext uri="{909E8E84-426E-40DD-AFC4-6F175D3DCCD1}">
+              <a:ext uri="{909E8E84-426E-40dd-AFC4-6F175D3DCCD1}">
                 <a14:hiddenFill xmlns:a14="http://schemas.microsoft.com/office/drawing/2010/main">
                   <a:solidFill>
                     <a:srgbClr val="FFFFFF"/>
@@ -5374,7 +5374,7 @@
               <a:tailEnd/>
             </a:ln>
             <a:extLst>
-              <a:ext uri="{909E8E84-426E-40DD-AFC4-6F175D3DCCD1}">
+              <a:ext uri="{909E8E84-426E-40dd-AFC4-6F175D3DCCD1}">
                 <a14:hiddenFill xmlns:a14="http://schemas.microsoft.com/office/drawing/2010/main">
                   <a:solidFill>
                     <a:srgbClr val="FFFFFF"/>
@@ -5427,7 +5427,7 @@
               <a:tailEnd/>
             </a:ln>
             <a:extLst>
-              <a:ext uri="{909E8E84-426E-40DD-AFC4-6F175D3DCCD1}">
+              <a:ext uri="{909E8E84-426E-40dd-AFC4-6F175D3DCCD1}">
                 <a14:hiddenFill xmlns:a14="http://schemas.microsoft.com/office/drawing/2010/main">
                   <a:solidFill>
                     <a:srgbClr val="FFFFFF"/>
@@ -5480,7 +5480,7 @@
               <a:tailEnd/>
             </a:ln>
             <a:extLst>
-              <a:ext uri="{909E8E84-426E-40DD-AFC4-6F175D3DCCD1}">
+              <a:ext uri="{909E8E84-426E-40dd-AFC4-6F175D3DCCD1}">
                 <a14:hiddenFill xmlns:a14="http://schemas.microsoft.com/office/drawing/2010/main">
                   <a:solidFill>
                     <a:srgbClr val="FFFFFF"/>
@@ -5533,7 +5533,7 @@
               <a:tailEnd/>
             </a:ln>
             <a:extLst>
-              <a:ext uri="{909E8E84-426E-40DD-AFC4-6F175D3DCCD1}">
+              <a:ext uri="{909E8E84-426E-40dd-AFC4-6F175D3DCCD1}">
                 <a14:hiddenFill xmlns:a14="http://schemas.microsoft.com/office/drawing/2010/main">
                   <a:solidFill>
                     <a:srgbClr val="FFFFFF"/>
@@ -5586,7 +5586,7 @@
               <a:tailEnd/>
             </a:ln>
             <a:extLst>
-              <a:ext uri="{909E8E84-426E-40DD-AFC4-6F175D3DCCD1}">
+              <a:ext uri="{909E8E84-426E-40dd-AFC4-6F175D3DCCD1}">
                 <a14:hiddenFill xmlns:a14="http://schemas.microsoft.com/office/drawing/2010/main">
                   <a:solidFill>
                     <a:srgbClr val="FFFFFF"/>
@@ -5639,7 +5639,7 @@
               <a:tailEnd/>
             </a:ln>
             <a:extLst>
-              <a:ext uri="{909E8E84-426E-40DD-AFC4-6F175D3DCCD1}">
+              <a:ext uri="{909E8E84-426E-40dd-AFC4-6F175D3DCCD1}">
                 <a14:hiddenFill xmlns:a14="http://schemas.microsoft.com/office/drawing/2010/main">
                   <a:solidFill>
                     <a:srgbClr val="FFFFFF"/>
@@ -5889,7 +5889,7 @@
           <a:p>
             <a:fld id="{19C9CA7B-DFD4-44B5-8C60-D14B8CD1FB59}" type="datetimeFigureOut">
               <a:rPr lang="en-US" smtClean="0"/>
-              <a:t>6/27/19</a:t>
+              <a:t>6/28/19</a:t>
             </a:fld>
             <a:endParaRPr lang="en-US" dirty="0"/>
           </a:p>
@@ -6040,7 +6040,7 @@
               <a:tailEnd/>
             </a:ln>
             <a:extLst>
-              <a:ext uri="{909E8E84-426E-40DD-AFC4-6F175D3DCCD1}">
+              <a:ext uri="{909E8E84-426E-40dd-AFC4-6F175D3DCCD1}">
                 <a14:hiddenFill xmlns:a14="http://schemas.microsoft.com/office/drawing/2010/main">
                   <a:solidFill>
                     <a:srgbClr val="FFFFFF"/>
@@ -6108,7 +6108,7 @@
               <a:tailEnd/>
             </a:ln>
             <a:extLst>
-              <a:ext uri="{909E8E84-426E-40DD-AFC4-6F175D3DCCD1}">
+              <a:ext uri="{909E8E84-426E-40dd-AFC4-6F175D3DCCD1}">
                 <a14:hiddenFill xmlns:a14="http://schemas.microsoft.com/office/drawing/2010/main">
                   <a:solidFill>
                     <a:srgbClr val="FFFFFF"/>
@@ -6181,7 +6181,7 @@
               <a:tailEnd/>
             </a:ln>
             <a:extLst>
-              <a:ext uri="{909E8E84-426E-40DD-AFC4-6F175D3DCCD1}">
+              <a:ext uri="{909E8E84-426E-40dd-AFC4-6F175D3DCCD1}">
                 <a14:hiddenFill xmlns:a14="http://schemas.microsoft.com/office/drawing/2010/main">
                   <a:solidFill>
                     <a:srgbClr val="FFFFFF"/>
@@ -6244,7 +6244,7 @@
               <a:tailEnd/>
             </a:ln>
             <a:extLst>
-              <a:ext uri="{909E8E84-426E-40DD-AFC4-6F175D3DCCD1}">
+              <a:ext uri="{909E8E84-426E-40dd-AFC4-6F175D3DCCD1}">
                 <a14:hiddenFill xmlns:a14="http://schemas.microsoft.com/office/drawing/2010/main">
                   <a:solidFill>
                     <a:srgbClr val="FFFFFF"/>
@@ -6297,7 +6297,7 @@
               <a:tailEnd/>
             </a:ln>
             <a:extLst>
-              <a:ext uri="{909E8E84-426E-40DD-AFC4-6F175D3DCCD1}">
+              <a:ext uri="{909E8E84-426E-40dd-AFC4-6F175D3DCCD1}">
                 <a14:hiddenFill xmlns:a14="http://schemas.microsoft.com/office/drawing/2010/main">
                   <a:solidFill>
                     <a:srgbClr val="FFFFFF"/>
@@ -6360,7 +6360,7 @@
               <a:tailEnd/>
             </a:ln>
             <a:extLst>
-              <a:ext uri="{909E8E84-426E-40DD-AFC4-6F175D3DCCD1}">
+              <a:ext uri="{909E8E84-426E-40dd-AFC4-6F175D3DCCD1}">
                 <a14:hiddenFill xmlns:a14="http://schemas.microsoft.com/office/drawing/2010/main">
                   <a:solidFill>
                     <a:srgbClr val="FFFFFF"/>
@@ -6418,7 +6418,7 @@
               <a:tailEnd/>
             </a:ln>
             <a:extLst>
-              <a:ext uri="{909E8E84-426E-40DD-AFC4-6F175D3DCCD1}">
+              <a:ext uri="{909E8E84-426E-40dd-AFC4-6F175D3DCCD1}">
                 <a14:hiddenFill xmlns:a14="http://schemas.microsoft.com/office/drawing/2010/main">
                   <a:solidFill>
                     <a:srgbClr val="FFFFFF"/>
@@ -6471,7 +6471,7 @@
               <a:tailEnd/>
             </a:ln>
             <a:extLst>
-              <a:ext uri="{909E8E84-426E-40DD-AFC4-6F175D3DCCD1}">
+              <a:ext uri="{909E8E84-426E-40dd-AFC4-6F175D3DCCD1}">
                 <a14:hiddenFill xmlns:a14="http://schemas.microsoft.com/office/drawing/2010/main">
                   <a:solidFill>
                     <a:srgbClr val="FFFFFF"/>
@@ -6529,7 +6529,7 @@
               <a:tailEnd/>
             </a:ln>
             <a:extLst>
-              <a:ext uri="{909E8E84-426E-40DD-AFC4-6F175D3DCCD1}">
+              <a:ext uri="{909E8E84-426E-40dd-AFC4-6F175D3DCCD1}">
                 <a14:hiddenFill xmlns:a14="http://schemas.microsoft.com/office/drawing/2010/main">
                   <a:solidFill>
                     <a:srgbClr val="FFFFFF"/>
@@ -6582,7 +6582,7 @@
               <a:tailEnd/>
             </a:ln>
             <a:extLst>
-              <a:ext uri="{909E8E84-426E-40DD-AFC4-6F175D3DCCD1}">
+              <a:ext uri="{909E8E84-426E-40dd-AFC4-6F175D3DCCD1}">
                 <a14:hiddenFill xmlns:a14="http://schemas.microsoft.com/office/drawing/2010/main">
                   <a:solidFill>
                     <a:srgbClr val="FFFFFF"/>
@@ -6640,7 +6640,7 @@
               <a:tailEnd/>
             </a:ln>
             <a:extLst>
-              <a:ext uri="{909E8E84-426E-40DD-AFC4-6F175D3DCCD1}">
+              <a:ext uri="{909E8E84-426E-40dd-AFC4-6F175D3DCCD1}">
                 <a14:hiddenFill xmlns:a14="http://schemas.microsoft.com/office/drawing/2010/main">
                   <a:solidFill>
                     <a:srgbClr val="FFFFFF"/>
@@ -6693,7 +6693,7 @@
               <a:tailEnd/>
             </a:ln>
             <a:extLst>
-              <a:ext uri="{909E8E84-426E-40DD-AFC4-6F175D3DCCD1}">
+              <a:ext uri="{909E8E84-426E-40dd-AFC4-6F175D3DCCD1}">
                 <a14:hiddenFill xmlns:a14="http://schemas.microsoft.com/office/drawing/2010/main">
                   <a:solidFill>
                     <a:srgbClr val="FFFFFF"/>
@@ -6751,7 +6751,7 @@
               <a:tailEnd/>
             </a:ln>
             <a:extLst>
-              <a:ext uri="{909E8E84-426E-40DD-AFC4-6F175D3DCCD1}">
+              <a:ext uri="{909E8E84-426E-40dd-AFC4-6F175D3DCCD1}">
                 <a14:hiddenFill xmlns:a14="http://schemas.microsoft.com/office/drawing/2010/main">
                   <a:solidFill>
                     <a:srgbClr val="FFFFFF"/>
@@ -6809,7 +6809,7 @@
               <a:tailEnd/>
             </a:ln>
             <a:extLst>
-              <a:ext uri="{909E8E84-426E-40DD-AFC4-6F175D3DCCD1}">
+              <a:ext uri="{909E8E84-426E-40dd-AFC4-6F175D3DCCD1}">
                 <a14:hiddenFill xmlns:a14="http://schemas.microsoft.com/office/drawing/2010/main">
                   <a:solidFill>
                     <a:srgbClr val="FFFFFF"/>
@@ -6867,7 +6867,7 @@
               <a:tailEnd/>
             </a:ln>
             <a:extLst>
-              <a:ext uri="{909E8E84-426E-40DD-AFC4-6F175D3DCCD1}">
+              <a:ext uri="{909E8E84-426E-40dd-AFC4-6F175D3DCCD1}">
                 <a14:hiddenFill xmlns:a14="http://schemas.microsoft.com/office/drawing/2010/main">
                   <a:solidFill>
                     <a:srgbClr val="FFFFFF"/>
@@ -6920,7 +6920,7 @@
               <a:tailEnd/>
             </a:ln>
             <a:extLst>
-              <a:ext uri="{909E8E84-426E-40DD-AFC4-6F175D3DCCD1}">
+              <a:ext uri="{909E8E84-426E-40dd-AFC4-6F175D3DCCD1}">
                 <a14:hiddenFill xmlns:a14="http://schemas.microsoft.com/office/drawing/2010/main">
                   <a:solidFill>
                     <a:srgbClr val="FFFFFF"/>
@@ -6973,7 +6973,7 @@
               <a:tailEnd/>
             </a:ln>
             <a:extLst>
-              <a:ext uri="{909E8E84-426E-40DD-AFC4-6F175D3DCCD1}">
+              <a:ext uri="{909E8E84-426E-40dd-AFC4-6F175D3DCCD1}">
                 <a14:hiddenFill xmlns:a14="http://schemas.microsoft.com/office/drawing/2010/main">
                   <a:solidFill>
                     <a:srgbClr val="FFFFFF"/>
@@ -7026,7 +7026,7 @@
               <a:tailEnd/>
             </a:ln>
             <a:extLst>
-              <a:ext uri="{909E8E84-426E-40DD-AFC4-6F175D3DCCD1}">
+              <a:ext uri="{909E8E84-426E-40dd-AFC4-6F175D3DCCD1}">
                 <a14:hiddenFill xmlns:a14="http://schemas.microsoft.com/office/drawing/2010/main">
                   <a:solidFill>
                     <a:srgbClr val="FFFFFF"/>
@@ -7079,7 +7079,7 @@
               <a:tailEnd/>
             </a:ln>
             <a:extLst>
-              <a:ext uri="{909E8E84-426E-40DD-AFC4-6F175D3DCCD1}">
+              <a:ext uri="{909E8E84-426E-40dd-AFC4-6F175D3DCCD1}">
                 <a14:hiddenFill xmlns:a14="http://schemas.microsoft.com/office/drawing/2010/main">
                   <a:solidFill>
                     <a:srgbClr val="FFFFFF"/>
@@ -7398,7 +7398,7 @@
           <a:p>
             <a:fld id="{F34E6425-0181-43F2-84FC-787E803FD2F8}" type="datetimeFigureOut">
               <a:rPr lang="en-US" smtClean="0"/>
-              <a:t>6/27/19</a:t>
+              <a:t>6/28/19</a:t>
             </a:fld>
             <a:endParaRPr lang="en-US" dirty="0"/>
           </a:p>
@@ -7548,7 +7548,7 @@
               <a:tailEnd/>
             </a:ln>
             <a:extLst>
-              <a:ext uri="{909E8E84-426E-40DD-AFC4-6F175D3DCCD1}">
+              <a:ext uri="{909E8E84-426E-40dd-AFC4-6F175D3DCCD1}">
                 <a14:hiddenFill xmlns:a14="http://schemas.microsoft.com/office/drawing/2010/main">
                   <a:solidFill>
                     <a:srgbClr val="FFFFFF"/>
@@ -7601,7 +7601,7 @@
               <a:tailEnd/>
             </a:ln>
             <a:extLst>
-              <a:ext uri="{909E8E84-426E-40DD-AFC4-6F175D3DCCD1}">
+              <a:ext uri="{909E8E84-426E-40dd-AFC4-6F175D3DCCD1}">
                 <a14:hiddenFill xmlns:a14="http://schemas.microsoft.com/office/drawing/2010/main">
                   <a:solidFill>
                     <a:srgbClr val="FFFFFF"/>
@@ -7654,7 +7654,7 @@
               <a:tailEnd/>
             </a:ln>
             <a:extLst>
-              <a:ext uri="{909E8E84-426E-40DD-AFC4-6F175D3DCCD1}">
+              <a:ext uri="{909E8E84-426E-40dd-AFC4-6F175D3DCCD1}">
                 <a14:hiddenFill xmlns:a14="http://schemas.microsoft.com/office/drawing/2010/main">
                   <a:solidFill>
                     <a:srgbClr val="FFFFFF"/>
@@ -7707,7 +7707,7 @@
               <a:tailEnd/>
             </a:ln>
             <a:extLst>
-              <a:ext uri="{909E8E84-426E-40DD-AFC4-6F175D3DCCD1}">
+              <a:ext uri="{909E8E84-426E-40dd-AFC4-6F175D3DCCD1}">
                 <a14:hiddenFill xmlns:a14="http://schemas.microsoft.com/office/drawing/2010/main">
                   <a:solidFill>
                     <a:srgbClr val="FFFFFF"/>
@@ -7760,7 +7760,7 @@
               <a:tailEnd/>
             </a:ln>
             <a:extLst>
-              <a:ext uri="{909E8E84-426E-40DD-AFC4-6F175D3DCCD1}">
+              <a:ext uri="{909E8E84-426E-40dd-AFC4-6F175D3DCCD1}">
                 <a14:hiddenFill xmlns:a14="http://schemas.microsoft.com/office/drawing/2010/main">
                   <a:solidFill>
                     <a:srgbClr val="FFFFFF"/>
@@ -7813,7 +7813,7 @@
               <a:tailEnd/>
             </a:ln>
             <a:extLst>
-              <a:ext uri="{909E8E84-426E-40DD-AFC4-6F175D3DCCD1}">
+              <a:ext uri="{909E8E84-426E-40dd-AFC4-6F175D3DCCD1}">
                 <a14:hiddenFill xmlns:a14="http://schemas.microsoft.com/office/drawing/2010/main">
                   <a:solidFill>
                     <a:srgbClr val="FFFFFF"/>
@@ -7866,7 +7866,7 @@
               <a:tailEnd/>
             </a:ln>
             <a:extLst>
-              <a:ext uri="{909E8E84-426E-40DD-AFC4-6F175D3DCCD1}">
+              <a:ext uri="{909E8E84-426E-40dd-AFC4-6F175D3DCCD1}">
                 <a14:hiddenFill xmlns:a14="http://schemas.microsoft.com/office/drawing/2010/main">
                   <a:solidFill>
                     <a:srgbClr val="FFFFFF"/>
@@ -7919,7 +7919,7 @@
               <a:tailEnd/>
             </a:ln>
             <a:extLst>
-              <a:ext uri="{909E8E84-426E-40DD-AFC4-6F175D3DCCD1}">
+              <a:ext uri="{909E8E84-426E-40dd-AFC4-6F175D3DCCD1}">
                 <a14:hiddenFill xmlns:a14="http://schemas.microsoft.com/office/drawing/2010/main">
                   <a:solidFill>
                     <a:srgbClr val="FFFFFF"/>
@@ -7972,7 +7972,7 @@
               <a:tailEnd/>
             </a:ln>
             <a:extLst>
-              <a:ext uri="{909E8E84-426E-40DD-AFC4-6F175D3DCCD1}">
+              <a:ext uri="{909E8E84-426E-40dd-AFC4-6F175D3DCCD1}">
                 <a14:hiddenFill xmlns:a14="http://schemas.microsoft.com/office/drawing/2010/main">
                   <a:solidFill>
                     <a:srgbClr val="FFFFFF"/>
@@ -8025,7 +8025,7 @@
               <a:tailEnd/>
             </a:ln>
             <a:extLst>
-              <a:ext uri="{909E8E84-426E-40DD-AFC4-6F175D3DCCD1}">
+              <a:ext uri="{909E8E84-426E-40dd-AFC4-6F175D3DCCD1}">
                 <a14:hiddenFill xmlns:a14="http://schemas.microsoft.com/office/drawing/2010/main">
                   <a:solidFill>
                     <a:srgbClr val="FFFFFF"/>
@@ -8078,7 +8078,7 @@
               <a:tailEnd/>
             </a:ln>
             <a:extLst>
-              <a:ext uri="{909E8E84-426E-40DD-AFC4-6F175D3DCCD1}">
+              <a:ext uri="{909E8E84-426E-40dd-AFC4-6F175D3DCCD1}">
                 <a14:hiddenFill xmlns:a14="http://schemas.microsoft.com/office/drawing/2010/main">
                   <a:solidFill>
                     <a:srgbClr val="FFFFFF"/>
@@ -8131,7 +8131,7 @@
               <a:tailEnd/>
             </a:ln>
             <a:extLst>
-              <a:ext uri="{909E8E84-426E-40DD-AFC4-6F175D3DCCD1}">
+              <a:ext uri="{909E8E84-426E-40dd-AFC4-6F175D3DCCD1}">
                 <a14:hiddenFill xmlns:a14="http://schemas.microsoft.com/office/drawing/2010/main">
                   <a:solidFill>
                     <a:srgbClr val="FFFFFF"/>
@@ -8184,7 +8184,7 @@
               <a:tailEnd/>
             </a:ln>
             <a:extLst>
-              <a:ext uri="{909E8E84-426E-40DD-AFC4-6F175D3DCCD1}">
+              <a:ext uri="{909E8E84-426E-40dd-AFC4-6F175D3DCCD1}">
                 <a14:hiddenFill xmlns:a14="http://schemas.microsoft.com/office/drawing/2010/main">
                   <a:solidFill>
                     <a:srgbClr val="FFFFFF"/>
@@ -8237,7 +8237,7 @@
               <a:tailEnd/>
             </a:ln>
             <a:extLst>
-              <a:ext uri="{909E8E84-426E-40DD-AFC4-6F175D3DCCD1}">
+              <a:ext uri="{909E8E84-426E-40dd-AFC4-6F175D3DCCD1}">
                 <a14:hiddenFill xmlns:a14="http://schemas.microsoft.com/office/drawing/2010/main">
                   <a:solidFill>
                     <a:srgbClr val="FFFFFF"/>
@@ -8290,7 +8290,7 @@
               <a:tailEnd/>
             </a:ln>
             <a:extLst>
-              <a:ext uri="{909E8E84-426E-40DD-AFC4-6F175D3DCCD1}">
+              <a:ext uri="{909E8E84-426E-40dd-AFC4-6F175D3DCCD1}">
                 <a14:hiddenFill xmlns:a14="http://schemas.microsoft.com/office/drawing/2010/main">
                   <a:solidFill>
                     <a:srgbClr val="FFFFFF"/>
@@ -8343,7 +8343,7 @@
               <a:tailEnd/>
             </a:ln>
             <a:extLst>
-              <a:ext uri="{909E8E84-426E-40DD-AFC4-6F175D3DCCD1}">
+              <a:ext uri="{909E8E84-426E-40dd-AFC4-6F175D3DCCD1}">
                 <a14:hiddenFill xmlns:a14="http://schemas.microsoft.com/office/drawing/2010/main">
                   <a:solidFill>
                     <a:srgbClr val="FFFFFF"/>
@@ -8396,7 +8396,7 @@
               <a:tailEnd/>
             </a:ln>
             <a:extLst>
-              <a:ext uri="{909E8E84-426E-40DD-AFC4-6F175D3DCCD1}">
+              <a:ext uri="{909E8E84-426E-40dd-AFC4-6F175D3DCCD1}">
                 <a14:hiddenFill xmlns:a14="http://schemas.microsoft.com/office/drawing/2010/main">
                   <a:solidFill>
                     <a:srgbClr val="FFFFFF"/>
@@ -8449,7 +8449,7 @@
               <a:tailEnd/>
             </a:ln>
             <a:extLst>
-              <a:ext uri="{909E8E84-426E-40DD-AFC4-6F175D3DCCD1}">
+              <a:ext uri="{909E8E84-426E-40dd-AFC4-6F175D3DCCD1}">
                 <a14:hiddenFill xmlns:a14="http://schemas.microsoft.com/office/drawing/2010/main">
                   <a:solidFill>
                     <a:srgbClr val="FFFFFF"/>
@@ -8502,7 +8502,7 @@
               <a:tailEnd/>
             </a:ln>
             <a:extLst>
-              <a:ext uri="{909E8E84-426E-40DD-AFC4-6F175D3DCCD1}">
+              <a:ext uri="{909E8E84-426E-40dd-AFC4-6F175D3DCCD1}">
                 <a14:hiddenFill xmlns:a14="http://schemas.microsoft.com/office/drawing/2010/main">
                   <a:solidFill>
                     <a:srgbClr val="FFFFFF"/>
@@ -8555,7 +8555,7 @@
               <a:tailEnd/>
             </a:ln>
             <a:extLst>
-              <a:ext uri="{909E8E84-426E-40DD-AFC4-6F175D3DCCD1}">
+              <a:ext uri="{909E8E84-426E-40dd-AFC4-6F175D3DCCD1}">
                 <a14:hiddenFill xmlns:a14="http://schemas.microsoft.com/office/drawing/2010/main">
                   <a:solidFill>
                     <a:srgbClr val="FFFFFF"/>
@@ -8608,7 +8608,7 @@
               <a:tailEnd/>
             </a:ln>
             <a:extLst>
-              <a:ext uri="{909E8E84-426E-40DD-AFC4-6F175D3DCCD1}">
+              <a:ext uri="{909E8E84-426E-40dd-AFC4-6F175D3DCCD1}">
                 <a14:hiddenFill xmlns:a14="http://schemas.microsoft.com/office/drawing/2010/main">
                   <a:solidFill>
                     <a:srgbClr val="FFFFFF"/>
@@ -8920,7 +8920,7 @@
           <a:p>
             <a:fld id="{3BDB8791-F1B0-41E7-B7FD-A781E65C4266}" type="datetimeFigureOut">
               <a:rPr lang="en-US" smtClean="0"/>
-              <a:t>6/27/19</a:t>
+              <a:t>6/28/19</a:t>
             </a:fld>
             <a:endParaRPr lang="en-US" dirty="0"/>
           </a:p>
@@ -9066,7 +9066,7 @@
               <a:tailEnd/>
             </a:ln>
             <a:extLst>
-              <a:ext uri="{909E8E84-426E-40DD-AFC4-6F175D3DCCD1}">
+              <a:ext uri="{909E8E84-426E-40dd-AFC4-6F175D3DCCD1}">
                 <a14:hiddenFill xmlns:a14="http://schemas.microsoft.com/office/drawing/2010/main">
                   <a:solidFill>
                     <a:srgbClr val="FFFFFF"/>
@@ -9119,7 +9119,7 @@
               <a:tailEnd/>
             </a:ln>
             <a:extLst>
-              <a:ext uri="{909E8E84-426E-40DD-AFC4-6F175D3DCCD1}">
+              <a:ext uri="{909E8E84-426E-40dd-AFC4-6F175D3DCCD1}">
                 <a14:hiddenFill xmlns:a14="http://schemas.microsoft.com/office/drawing/2010/main">
                   <a:solidFill>
                     <a:srgbClr val="FFFFFF"/>
@@ -9172,7 +9172,7 @@
               <a:tailEnd/>
             </a:ln>
             <a:extLst>
-              <a:ext uri="{909E8E84-426E-40DD-AFC4-6F175D3DCCD1}">
+              <a:ext uri="{909E8E84-426E-40dd-AFC4-6F175D3DCCD1}">
                 <a14:hiddenFill xmlns:a14="http://schemas.microsoft.com/office/drawing/2010/main">
                   <a:solidFill>
                     <a:srgbClr val="FFFFFF"/>
@@ -9225,7 +9225,7 @@
               <a:tailEnd/>
             </a:ln>
             <a:extLst>
-              <a:ext uri="{909E8E84-426E-40DD-AFC4-6F175D3DCCD1}">
+              <a:ext uri="{909E8E84-426E-40dd-AFC4-6F175D3DCCD1}">
                 <a14:hiddenFill xmlns:a14="http://schemas.microsoft.com/office/drawing/2010/main">
                   <a:solidFill>
                     <a:srgbClr val="FFFFFF"/>
@@ -9278,7 +9278,7 @@
               <a:tailEnd/>
             </a:ln>
             <a:extLst>
-              <a:ext uri="{909E8E84-426E-40DD-AFC4-6F175D3DCCD1}">
+              <a:ext uri="{909E8E84-426E-40dd-AFC4-6F175D3DCCD1}">
                 <a14:hiddenFill xmlns:a14="http://schemas.microsoft.com/office/drawing/2010/main">
                   <a:solidFill>
                     <a:srgbClr val="FFFFFF"/>
@@ -9331,7 +9331,7 @@
               <a:tailEnd/>
             </a:ln>
             <a:extLst>
-              <a:ext uri="{909E8E84-426E-40DD-AFC4-6F175D3DCCD1}">
+              <a:ext uri="{909E8E84-426E-40dd-AFC4-6F175D3DCCD1}">
                 <a14:hiddenFill xmlns:a14="http://schemas.microsoft.com/office/drawing/2010/main">
                   <a:solidFill>
                     <a:srgbClr val="FFFFFF"/>
@@ -9384,7 +9384,7 @@
               <a:tailEnd/>
             </a:ln>
             <a:extLst>
-              <a:ext uri="{909E8E84-426E-40DD-AFC4-6F175D3DCCD1}">
+              <a:ext uri="{909E8E84-426E-40dd-AFC4-6F175D3DCCD1}">
                 <a14:hiddenFill xmlns:a14="http://schemas.microsoft.com/office/drawing/2010/main">
                   <a:solidFill>
                     <a:srgbClr val="FFFFFF"/>
@@ -9437,7 +9437,7 @@
               <a:tailEnd/>
             </a:ln>
             <a:extLst>
-              <a:ext uri="{909E8E84-426E-40DD-AFC4-6F175D3DCCD1}">
+              <a:ext uri="{909E8E84-426E-40dd-AFC4-6F175D3DCCD1}">
                 <a14:hiddenFill xmlns:a14="http://schemas.microsoft.com/office/drawing/2010/main">
                   <a:solidFill>
                     <a:srgbClr val="FFFFFF"/>
@@ -9490,7 +9490,7 @@
               <a:tailEnd/>
             </a:ln>
             <a:extLst>
-              <a:ext uri="{909E8E84-426E-40DD-AFC4-6F175D3DCCD1}">
+              <a:ext uri="{909E8E84-426E-40dd-AFC4-6F175D3DCCD1}">
                 <a14:hiddenFill xmlns:a14="http://schemas.microsoft.com/office/drawing/2010/main">
                   <a:solidFill>
                     <a:srgbClr val="FFFFFF"/>
@@ -9543,7 +9543,7 @@
               <a:tailEnd/>
             </a:ln>
             <a:extLst>
-              <a:ext uri="{909E8E84-426E-40DD-AFC4-6F175D3DCCD1}">
+              <a:ext uri="{909E8E84-426E-40dd-AFC4-6F175D3DCCD1}">
                 <a14:hiddenFill xmlns:a14="http://schemas.microsoft.com/office/drawing/2010/main">
                   <a:solidFill>
                     <a:srgbClr val="FFFFFF"/>
@@ -9596,7 +9596,7 @@
               <a:tailEnd/>
             </a:ln>
             <a:extLst>
-              <a:ext uri="{909E8E84-426E-40DD-AFC4-6F175D3DCCD1}">
+              <a:ext uri="{909E8E84-426E-40dd-AFC4-6F175D3DCCD1}">
                 <a14:hiddenFill xmlns:a14="http://schemas.microsoft.com/office/drawing/2010/main">
                   <a:solidFill>
                     <a:srgbClr val="FFFFFF"/>
@@ -9649,7 +9649,7 @@
               <a:tailEnd/>
             </a:ln>
             <a:extLst>
-              <a:ext uri="{909E8E84-426E-40DD-AFC4-6F175D3DCCD1}">
+              <a:ext uri="{909E8E84-426E-40dd-AFC4-6F175D3DCCD1}">
                 <a14:hiddenFill xmlns:a14="http://schemas.microsoft.com/office/drawing/2010/main">
                   <a:solidFill>
                     <a:srgbClr val="FFFFFF"/>
@@ -9702,7 +9702,7 @@
               <a:tailEnd/>
             </a:ln>
             <a:extLst>
-              <a:ext uri="{909E8E84-426E-40DD-AFC4-6F175D3DCCD1}">
+              <a:ext uri="{909E8E84-426E-40dd-AFC4-6F175D3DCCD1}">
                 <a14:hiddenFill xmlns:a14="http://schemas.microsoft.com/office/drawing/2010/main">
                   <a:solidFill>
                     <a:srgbClr val="FFFFFF"/>
@@ -9755,7 +9755,7 @@
               <a:tailEnd/>
             </a:ln>
             <a:extLst>
-              <a:ext uri="{909E8E84-426E-40DD-AFC4-6F175D3DCCD1}">
+              <a:ext uri="{909E8E84-426E-40dd-AFC4-6F175D3DCCD1}">
                 <a14:hiddenFill xmlns:a14="http://schemas.microsoft.com/office/drawing/2010/main">
                   <a:solidFill>
                     <a:srgbClr val="FFFFFF"/>
@@ -9808,7 +9808,7 @@
               <a:tailEnd/>
             </a:ln>
             <a:extLst>
-              <a:ext uri="{909E8E84-426E-40DD-AFC4-6F175D3DCCD1}">
+              <a:ext uri="{909E8E84-426E-40dd-AFC4-6F175D3DCCD1}">
                 <a14:hiddenFill xmlns:a14="http://schemas.microsoft.com/office/drawing/2010/main">
                   <a:solidFill>
                     <a:srgbClr val="FFFFFF"/>
@@ -9861,7 +9861,7 @@
               <a:tailEnd/>
             </a:ln>
             <a:extLst>
-              <a:ext uri="{909E8E84-426E-40DD-AFC4-6F175D3DCCD1}">
+              <a:ext uri="{909E8E84-426E-40dd-AFC4-6F175D3DCCD1}">
                 <a14:hiddenFill xmlns:a14="http://schemas.microsoft.com/office/drawing/2010/main">
                   <a:solidFill>
                     <a:srgbClr val="FFFFFF"/>
@@ -9914,7 +9914,7 @@
               <a:tailEnd/>
             </a:ln>
             <a:extLst>
-              <a:ext uri="{909E8E84-426E-40DD-AFC4-6F175D3DCCD1}">
+              <a:ext uri="{909E8E84-426E-40dd-AFC4-6F175D3DCCD1}">
                 <a14:hiddenFill xmlns:a14="http://schemas.microsoft.com/office/drawing/2010/main">
                   <a:solidFill>
                     <a:srgbClr val="FFFFFF"/>
@@ -9967,7 +9967,7 @@
               <a:tailEnd/>
             </a:ln>
             <a:extLst>
-              <a:ext uri="{909E8E84-426E-40DD-AFC4-6F175D3DCCD1}">
+              <a:ext uri="{909E8E84-426E-40dd-AFC4-6F175D3DCCD1}">
                 <a14:hiddenFill xmlns:a14="http://schemas.microsoft.com/office/drawing/2010/main">
                   <a:solidFill>
                     <a:srgbClr val="FFFFFF"/>
@@ -10020,7 +10020,7 @@
               <a:tailEnd/>
             </a:ln>
             <a:extLst>
-              <a:ext uri="{909E8E84-426E-40DD-AFC4-6F175D3DCCD1}">
+              <a:ext uri="{909E8E84-426E-40dd-AFC4-6F175D3DCCD1}">
                 <a14:hiddenFill xmlns:a14="http://schemas.microsoft.com/office/drawing/2010/main">
                   <a:solidFill>
                     <a:srgbClr val="FFFFFF"/>
@@ -10073,7 +10073,7 @@
               <a:tailEnd/>
             </a:ln>
             <a:extLst>
-              <a:ext uri="{909E8E84-426E-40DD-AFC4-6F175D3DCCD1}">
+              <a:ext uri="{909E8E84-426E-40dd-AFC4-6F175D3DCCD1}">
                 <a14:hiddenFill xmlns:a14="http://schemas.microsoft.com/office/drawing/2010/main">
                   <a:solidFill>
                     <a:srgbClr val="FFFFFF"/>
@@ -10126,7 +10126,7 @@
               <a:tailEnd/>
             </a:ln>
             <a:extLst>
-              <a:ext uri="{909E8E84-426E-40DD-AFC4-6F175D3DCCD1}">
+              <a:ext uri="{909E8E84-426E-40dd-AFC4-6F175D3DCCD1}">
                 <a14:hiddenFill xmlns:a14="http://schemas.microsoft.com/office/drawing/2010/main">
                   <a:solidFill>
                     <a:srgbClr val="FFFFFF"/>
@@ -10586,7 +10586,7 @@
           <a:p>
             <a:fld id="{5FDD63B2-E120-4ED8-B27B-C685F510A5FE}" type="datetimeFigureOut">
               <a:rPr lang="en-US" smtClean="0"/>
-              <a:t>6/27/19</a:t>
+              <a:t>6/28/19</a:t>
             </a:fld>
             <a:endParaRPr lang="en-US" dirty="0"/>
           </a:p>
@@ -10732,7 +10732,7 @@
               <a:tailEnd/>
             </a:ln>
             <a:extLst>
-              <a:ext uri="{909E8E84-426E-40DD-AFC4-6F175D3DCCD1}">
+              <a:ext uri="{909E8E84-426E-40dd-AFC4-6F175D3DCCD1}">
                 <a14:hiddenFill xmlns:a14="http://schemas.microsoft.com/office/drawing/2010/main">
                   <a:solidFill>
                     <a:srgbClr val="FFFFFF"/>
@@ -10785,7 +10785,7 @@
               <a:tailEnd/>
             </a:ln>
             <a:extLst>
-              <a:ext uri="{909E8E84-426E-40DD-AFC4-6F175D3DCCD1}">
+              <a:ext uri="{909E8E84-426E-40dd-AFC4-6F175D3DCCD1}">
                 <a14:hiddenFill xmlns:a14="http://schemas.microsoft.com/office/drawing/2010/main">
                   <a:solidFill>
                     <a:srgbClr val="FFFFFF"/>
@@ -10838,7 +10838,7 @@
               <a:tailEnd/>
             </a:ln>
             <a:extLst>
-              <a:ext uri="{909E8E84-426E-40DD-AFC4-6F175D3DCCD1}">
+              <a:ext uri="{909E8E84-426E-40dd-AFC4-6F175D3DCCD1}">
                 <a14:hiddenFill xmlns:a14="http://schemas.microsoft.com/office/drawing/2010/main">
                   <a:solidFill>
                     <a:srgbClr val="FFFFFF"/>
@@ -10891,7 +10891,7 @@
               <a:tailEnd/>
             </a:ln>
             <a:extLst>
-              <a:ext uri="{909E8E84-426E-40DD-AFC4-6F175D3DCCD1}">
+              <a:ext uri="{909E8E84-426E-40dd-AFC4-6F175D3DCCD1}">
                 <a14:hiddenFill xmlns:a14="http://schemas.microsoft.com/office/drawing/2010/main">
                   <a:solidFill>
                     <a:srgbClr val="FFFFFF"/>
@@ -10944,7 +10944,7 @@
               <a:tailEnd/>
             </a:ln>
             <a:extLst>
-              <a:ext uri="{909E8E84-426E-40DD-AFC4-6F175D3DCCD1}">
+              <a:ext uri="{909E8E84-426E-40dd-AFC4-6F175D3DCCD1}">
                 <a14:hiddenFill xmlns:a14="http://schemas.microsoft.com/office/drawing/2010/main">
                   <a:solidFill>
                     <a:srgbClr val="FFFFFF"/>
@@ -10997,7 +10997,7 @@
               <a:tailEnd/>
             </a:ln>
             <a:extLst>
-              <a:ext uri="{909E8E84-426E-40DD-AFC4-6F175D3DCCD1}">
+              <a:ext uri="{909E8E84-426E-40dd-AFC4-6F175D3DCCD1}">
                 <a14:hiddenFill xmlns:a14="http://schemas.microsoft.com/office/drawing/2010/main">
                   <a:solidFill>
                     <a:srgbClr val="FFFFFF"/>
@@ -11050,7 +11050,7 @@
               <a:tailEnd/>
             </a:ln>
             <a:extLst>
-              <a:ext uri="{909E8E84-426E-40DD-AFC4-6F175D3DCCD1}">
+              <a:ext uri="{909E8E84-426E-40dd-AFC4-6F175D3DCCD1}">
                 <a14:hiddenFill xmlns:a14="http://schemas.microsoft.com/office/drawing/2010/main">
                   <a:solidFill>
                     <a:srgbClr val="FFFFFF"/>
@@ -11103,7 +11103,7 @@
               <a:tailEnd/>
             </a:ln>
             <a:extLst>
-              <a:ext uri="{909E8E84-426E-40DD-AFC4-6F175D3DCCD1}">
+              <a:ext uri="{909E8E84-426E-40dd-AFC4-6F175D3DCCD1}">
                 <a14:hiddenFill xmlns:a14="http://schemas.microsoft.com/office/drawing/2010/main">
                   <a:solidFill>
                     <a:srgbClr val="FFFFFF"/>
@@ -11156,7 +11156,7 @@
               <a:tailEnd/>
             </a:ln>
             <a:extLst>
-              <a:ext uri="{909E8E84-426E-40DD-AFC4-6F175D3DCCD1}">
+              <a:ext uri="{909E8E84-426E-40dd-AFC4-6F175D3DCCD1}">
                 <a14:hiddenFill xmlns:a14="http://schemas.microsoft.com/office/drawing/2010/main">
                   <a:solidFill>
                     <a:srgbClr val="FFFFFF"/>
@@ -11209,7 +11209,7 @@
               <a:tailEnd/>
             </a:ln>
             <a:extLst>
-              <a:ext uri="{909E8E84-426E-40DD-AFC4-6F175D3DCCD1}">
+              <a:ext uri="{909E8E84-426E-40dd-AFC4-6F175D3DCCD1}">
                 <a14:hiddenFill xmlns:a14="http://schemas.microsoft.com/office/drawing/2010/main">
                   <a:solidFill>
                     <a:srgbClr val="FFFFFF"/>
@@ -11262,7 +11262,7 @@
               <a:tailEnd/>
             </a:ln>
             <a:extLst>
-              <a:ext uri="{909E8E84-426E-40DD-AFC4-6F175D3DCCD1}">
+              <a:ext uri="{909E8E84-426E-40dd-AFC4-6F175D3DCCD1}">
                 <a14:hiddenFill xmlns:a14="http://schemas.microsoft.com/office/drawing/2010/main">
                   <a:solidFill>
                     <a:srgbClr val="FFFFFF"/>
@@ -11315,7 +11315,7 @@
               <a:tailEnd/>
             </a:ln>
             <a:extLst>
-              <a:ext uri="{909E8E84-426E-40DD-AFC4-6F175D3DCCD1}">
+              <a:ext uri="{909E8E84-426E-40dd-AFC4-6F175D3DCCD1}">
                 <a14:hiddenFill xmlns:a14="http://schemas.microsoft.com/office/drawing/2010/main">
                   <a:solidFill>
                     <a:srgbClr val="FFFFFF"/>
@@ -11368,7 +11368,7 @@
               <a:tailEnd/>
             </a:ln>
             <a:extLst>
-              <a:ext uri="{909E8E84-426E-40DD-AFC4-6F175D3DCCD1}">
+              <a:ext uri="{909E8E84-426E-40dd-AFC4-6F175D3DCCD1}">
                 <a14:hiddenFill xmlns:a14="http://schemas.microsoft.com/office/drawing/2010/main">
                   <a:solidFill>
                     <a:srgbClr val="FFFFFF"/>
@@ -11421,7 +11421,7 @@
               <a:tailEnd/>
             </a:ln>
             <a:extLst>
-              <a:ext uri="{909E8E84-426E-40DD-AFC4-6F175D3DCCD1}">
+              <a:ext uri="{909E8E84-426E-40dd-AFC4-6F175D3DCCD1}">
                 <a14:hiddenFill xmlns:a14="http://schemas.microsoft.com/office/drawing/2010/main">
                   <a:solidFill>
                     <a:srgbClr val="FFFFFF"/>
@@ -11474,7 +11474,7 @@
               <a:tailEnd/>
             </a:ln>
             <a:extLst>
-              <a:ext uri="{909E8E84-426E-40DD-AFC4-6F175D3DCCD1}">
+              <a:ext uri="{909E8E84-426E-40dd-AFC4-6F175D3DCCD1}">
                 <a14:hiddenFill xmlns:a14="http://schemas.microsoft.com/office/drawing/2010/main">
                   <a:solidFill>
                     <a:srgbClr val="FFFFFF"/>
@@ -11527,7 +11527,7 @@
               <a:tailEnd/>
             </a:ln>
             <a:extLst>
-              <a:ext uri="{909E8E84-426E-40DD-AFC4-6F175D3DCCD1}">
+              <a:ext uri="{909E8E84-426E-40dd-AFC4-6F175D3DCCD1}">
                 <a14:hiddenFill xmlns:a14="http://schemas.microsoft.com/office/drawing/2010/main">
                   <a:solidFill>
                     <a:srgbClr val="FFFFFF"/>
@@ -11580,7 +11580,7 @@
               <a:tailEnd/>
             </a:ln>
             <a:extLst>
-              <a:ext uri="{909E8E84-426E-40DD-AFC4-6F175D3DCCD1}">
+              <a:ext uri="{909E8E84-426E-40dd-AFC4-6F175D3DCCD1}">
                 <a14:hiddenFill xmlns:a14="http://schemas.microsoft.com/office/drawing/2010/main">
                   <a:solidFill>
                     <a:srgbClr val="FFFFFF"/>
@@ -11633,7 +11633,7 @@
               <a:tailEnd/>
             </a:ln>
             <a:extLst>
-              <a:ext uri="{909E8E84-426E-40DD-AFC4-6F175D3DCCD1}">
+              <a:ext uri="{909E8E84-426E-40dd-AFC4-6F175D3DCCD1}">
                 <a14:hiddenFill xmlns:a14="http://schemas.microsoft.com/office/drawing/2010/main">
                   <a:solidFill>
                     <a:srgbClr val="FFFFFF"/>
@@ -11686,7 +11686,7 @@
               <a:tailEnd/>
             </a:ln>
             <a:extLst>
-              <a:ext uri="{909E8E84-426E-40DD-AFC4-6F175D3DCCD1}">
+              <a:ext uri="{909E8E84-426E-40dd-AFC4-6F175D3DCCD1}">
                 <a14:hiddenFill xmlns:a14="http://schemas.microsoft.com/office/drawing/2010/main">
                   <a:solidFill>
                     <a:srgbClr val="FFFFFF"/>
@@ -11739,7 +11739,7 @@
               <a:tailEnd/>
             </a:ln>
             <a:extLst>
-              <a:ext uri="{909E8E84-426E-40DD-AFC4-6F175D3DCCD1}">
+              <a:ext uri="{909E8E84-426E-40dd-AFC4-6F175D3DCCD1}">
                 <a14:hiddenFill xmlns:a14="http://schemas.microsoft.com/office/drawing/2010/main">
                   <a:solidFill>
                     <a:srgbClr val="FFFFFF"/>
@@ -11792,7 +11792,7 @@
               <a:tailEnd/>
             </a:ln>
             <a:extLst>
-              <a:ext uri="{909E8E84-426E-40DD-AFC4-6F175D3DCCD1}">
+              <a:ext uri="{909E8E84-426E-40dd-AFC4-6F175D3DCCD1}">
                 <a14:hiddenFill xmlns:a14="http://schemas.microsoft.com/office/drawing/2010/main">
                   <a:solidFill>
                     <a:srgbClr val="FFFFFF"/>
@@ -11985,7 +11985,7 @@
           <a:p>
             <a:fld id="{7AA18ACC-A947-437B-A130-35BD54FDF1E9}" type="datetimeFigureOut">
               <a:rPr lang="en-US" smtClean="0"/>
-              <a:t>6/27/19</a:t>
+              <a:t>6/28/19</a:t>
             </a:fld>
             <a:endParaRPr lang="en-US" dirty="0"/>
           </a:p>
@@ -12086,7 +12086,7 @@
           <a:p>
             <a:fld id="{7C8D7E02-BCB8-4D50-A234-369438C08659}" type="datetimeFigureOut">
               <a:rPr lang="en-US" smtClean="0"/>
-              <a:t>6/27/19</a:t>
+              <a:t>6/28/19</a:t>
             </a:fld>
             <a:endParaRPr lang="en-US" dirty="0"/>
           </a:p>
@@ -12232,7 +12232,7 @@
               <a:tailEnd/>
             </a:ln>
             <a:extLst>
-              <a:ext uri="{909E8E84-426E-40DD-AFC4-6F175D3DCCD1}">
+              <a:ext uri="{909E8E84-426E-40dd-AFC4-6F175D3DCCD1}">
                 <a14:hiddenFill xmlns:a14="http://schemas.microsoft.com/office/drawing/2010/main">
                   <a:solidFill>
                     <a:srgbClr val="FFFFFF"/>
@@ -12285,7 +12285,7 @@
               <a:tailEnd/>
             </a:ln>
             <a:extLst>
-              <a:ext uri="{909E8E84-426E-40DD-AFC4-6F175D3DCCD1}">
+              <a:ext uri="{909E8E84-426E-40dd-AFC4-6F175D3DCCD1}">
                 <a14:hiddenFill xmlns:a14="http://schemas.microsoft.com/office/drawing/2010/main">
                   <a:solidFill>
                     <a:srgbClr val="FFFFFF"/>
@@ -12338,7 +12338,7 @@
               <a:tailEnd/>
             </a:ln>
             <a:extLst>
-              <a:ext uri="{909E8E84-426E-40DD-AFC4-6F175D3DCCD1}">
+              <a:ext uri="{909E8E84-426E-40dd-AFC4-6F175D3DCCD1}">
                 <a14:hiddenFill xmlns:a14="http://schemas.microsoft.com/office/drawing/2010/main">
                   <a:solidFill>
                     <a:srgbClr val="FFFFFF"/>
@@ -12391,7 +12391,7 @@
               <a:tailEnd/>
             </a:ln>
             <a:extLst>
-              <a:ext uri="{909E8E84-426E-40DD-AFC4-6F175D3DCCD1}">
+              <a:ext uri="{909E8E84-426E-40dd-AFC4-6F175D3DCCD1}">
                 <a14:hiddenFill xmlns:a14="http://schemas.microsoft.com/office/drawing/2010/main">
                   <a:solidFill>
                     <a:srgbClr val="FFFFFF"/>
@@ -12444,7 +12444,7 @@
               <a:tailEnd/>
             </a:ln>
             <a:extLst>
-              <a:ext uri="{909E8E84-426E-40DD-AFC4-6F175D3DCCD1}">
+              <a:ext uri="{909E8E84-426E-40dd-AFC4-6F175D3DCCD1}">
                 <a14:hiddenFill xmlns:a14="http://schemas.microsoft.com/office/drawing/2010/main">
                   <a:solidFill>
                     <a:srgbClr val="FFFFFF"/>
@@ -12497,7 +12497,7 @@
               <a:tailEnd/>
             </a:ln>
             <a:extLst>
-              <a:ext uri="{909E8E84-426E-40DD-AFC4-6F175D3DCCD1}">
+              <a:ext uri="{909E8E84-426E-40dd-AFC4-6F175D3DCCD1}">
                 <a14:hiddenFill xmlns:a14="http://schemas.microsoft.com/office/drawing/2010/main">
                   <a:solidFill>
                     <a:srgbClr val="FFFFFF"/>
@@ -12550,7 +12550,7 @@
               <a:tailEnd/>
             </a:ln>
             <a:extLst>
-              <a:ext uri="{909E8E84-426E-40DD-AFC4-6F175D3DCCD1}">
+              <a:ext uri="{909E8E84-426E-40dd-AFC4-6F175D3DCCD1}">
                 <a14:hiddenFill xmlns:a14="http://schemas.microsoft.com/office/drawing/2010/main">
                   <a:solidFill>
                     <a:srgbClr val="FFFFFF"/>
@@ -12603,7 +12603,7 @@
               <a:tailEnd/>
             </a:ln>
             <a:extLst>
-              <a:ext uri="{909E8E84-426E-40DD-AFC4-6F175D3DCCD1}">
+              <a:ext uri="{909E8E84-426E-40dd-AFC4-6F175D3DCCD1}">
                 <a14:hiddenFill xmlns:a14="http://schemas.microsoft.com/office/drawing/2010/main">
                   <a:solidFill>
                     <a:srgbClr val="FFFFFF"/>
@@ -12656,7 +12656,7 @@
               <a:tailEnd/>
             </a:ln>
             <a:extLst>
-              <a:ext uri="{909E8E84-426E-40DD-AFC4-6F175D3DCCD1}">
+              <a:ext uri="{909E8E84-426E-40dd-AFC4-6F175D3DCCD1}">
                 <a14:hiddenFill xmlns:a14="http://schemas.microsoft.com/office/drawing/2010/main">
                   <a:solidFill>
                     <a:srgbClr val="FFFFFF"/>
@@ -12709,7 +12709,7 @@
               <a:tailEnd/>
             </a:ln>
             <a:extLst>
-              <a:ext uri="{909E8E84-426E-40DD-AFC4-6F175D3DCCD1}">
+              <a:ext uri="{909E8E84-426E-40dd-AFC4-6F175D3DCCD1}">
                 <a14:hiddenFill xmlns:a14="http://schemas.microsoft.com/office/drawing/2010/main">
                   <a:solidFill>
                     <a:srgbClr val="FFFFFF"/>
@@ -12762,7 +12762,7 @@
               <a:tailEnd/>
             </a:ln>
             <a:extLst>
-              <a:ext uri="{909E8E84-426E-40DD-AFC4-6F175D3DCCD1}">
+              <a:ext uri="{909E8E84-426E-40dd-AFC4-6F175D3DCCD1}">
                 <a14:hiddenFill xmlns:a14="http://schemas.microsoft.com/office/drawing/2010/main">
                   <a:solidFill>
                     <a:srgbClr val="FFFFFF"/>
@@ -12815,7 +12815,7 @@
               <a:tailEnd/>
             </a:ln>
             <a:extLst>
-              <a:ext uri="{909E8E84-426E-40DD-AFC4-6F175D3DCCD1}">
+              <a:ext uri="{909E8E84-426E-40dd-AFC4-6F175D3DCCD1}">
                 <a14:hiddenFill xmlns:a14="http://schemas.microsoft.com/office/drawing/2010/main">
                   <a:solidFill>
                     <a:srgbClr val="FFFFFF"/>
@@ -12868,7 +12868,7 @@
               <a:tailEnd/>
             </a:ln>
             <a:extLst>
-              <a:ext uri="{909E8E84-426E-40DD-AFC4-6F175D3DCCD1}">
+              <a:ext uri="{909E8E84-426E-40dd-AFC4-6F175D3DCCD1}">
                 <a14:hiddenFill xmlns:a14="http://schemas.microsoft.com/office/drawing/2010/main">
                   <a:solidFill>
                     <a:srgbClr val="FFFFFF"/>
@@ -12921,7 +12921,7 @@
               <a:tailEnd/>
             </a:ln>
             <a:extLst>
-              <a:ext uri="{909E8E84-426E-40DD-AFC4-6F175D3DCCD1}">
+              <a:ext uri="{909E8E84-426E-40dd-AFC4-6F175D3DCCD1}">
                 <a14:hiddenFill xmlns:a14="http://schemas.microsoft.com/office/drawing/2010/main">
                   <a:solidFill>
                     <a:srgbClr val="FFFFFF"/>
@@ -12974,7 +12974,7 @@
               <a:tailEnd/>
             </a:ln>
             <a:extLst>
-              <a:ext uri="{909E8E84-426E-40DD-AFC4-6F175D3DCCD1}">
+              <a:ext uri="{909E8E84-426E-40dd-AFC4-6F175D3DCCD1}">
                 <a14:hiddenFill xmlns:a14="http://schemas.microsoft.com/office/drawing/2010/main">
                   <a:solidFill>
                     <a:srgbClr val="FFFFFF"/>
@@ -13027,7 +13027,7 @@
               <a:tailEnd/>
             </a:ln>
             <a:extLst>
-              <a:ext uri="{909E8E84-426E-40DD-AFC4-6F175D3DCCD1}">
+              <a:ext uri="{909E8E84-426E-40dd-AFC4-6F175D3DCCD1}">
                 <a14:hiddenFill xmlns:a14="http://schemas.microsoft.com/office/drawing/2010/main">
                   <a:solidFill>
                     <a:srgbClr val="FFFFFF"/>
@@ -13080,7 +13080,7 @@
               <a:tailEnd/>
             </a:ln>
             <a:extLst>
-              <a:ext uri="{909E8E84-426E-40DD-AFC4-6F175D3DCCD1}">
+              <a:ext uri="{909E8E84-426E-40dd-AFC4-6F175D3DCCD1}">
                 <a14:hiddenFill xmlns:a14="http://schemas.microsoft.com/office/drawing/2010/main">
                   <a:solidFill>
                     <a:srgbClr val="FFFFFF"/>
@@ -13133,7 +13133,7 @@
               <a:tailEnd/>
             </a:ln>
             <a:extLst>
-              <a:ext uri="{909E8E84-426E-40DD-AFC4-6F175D3DCCD1}">
+              <a:ext uri="{909E8E84-426E-40dd-AFC4-6F175D3DCCD1}">
                 <a14:hiddenFill xmlns:a14="http://schemas.microsoft.com/office/drawing/2010/main">
                   <a:solidFill>
                     <a:srgbClr val="FFFFFF"/>
@@ -13186,7 +13186,7 @@
               <a:tailEnd/>
             </a:ln>
             <a:extLst>
-              <a:ext uri="{909E8E84-426E-40DD-AFC4-6F175D3DCCD1}">
+              <a:ext uri="{909E8E84-426E-40dd-AFC4-6F175D3DCCD1}">
                 <a14:hiddenFill xmlns:a14="http://schemas.microsoft.com/office/drawing/2010/main">
                   <a:solidFill>
                     <a:srgbClr val="FFFFFF"/>
@@ -13239,7 +13239,7 @@
               <a:tailEnd/>
             </a:ln>
             <a:extLst>
-              <a:ext uri="{909E8E84-426E-40DD-AFC4-6F175D3DCCD1}">
+              <a:ext uri="{909E8E84-426E-40dd-AFC4-6F175D3DCCD1}">
                 <a14:hiddenFill xmlns:a14="http://schemas.microsoft.com/office/drawing/2010/main">
                   <a:solidFill>
                     <a:srgbClr val="FFFFFF"/>
@@ -13292,7 +13292,7 @@
               <a:tailEnd/>
             </a:ln>
             <a:extLst>
-              <a:ext uri="{909E8E84-426E-40DD-AFC4-6F175D3DCCD1}">
+              <a:ext uri="{909E8E84-426E-40dd-AFC4-6F175D3DCCD1}">
                 <a14:hiddenFill xmlns:a14="http://schemas.microsoft.com/office/drawing/2010/main">
                   <a:solidFill>
                     <a:srgbClr val="FFFFFF"/>
@@ -13613,7 +13613,7 @@
           <a:p>
             <a:fld id="{76E86A4C-8E40-4F87-A4F0-01A0687C5742}" type="datetimeFigureOut">
               <a:rPr lang="en-US" smtClean="0"/>
-              <a:t>6/27/19</a:t>
+              <a:t>6/28/19</a:t>
             </a:fld>
             <a:endParaRPr lang="en-US" dirty="0"/>
           </a:p>
@@ -13764,7 +13764,7 @@
               <a:tailEnd/>
             </a:ln>
             <a:extLst>
-              <a:ext uri="{909E8E84-426E-40DD-AFC4-6F175D3DCCD1}">
+              <a:ext uri="{909E8E84-426E-40dd-AFC4-6F175D3DCCD1}">
                 <a14:hiddenFill xmlns:a14="http://schemas.microsoft.com/office/drawing/2010/main">
                   <a:solidFill>
                     <a:srgbClr val="FFFFFF"/>
@@ -13832,7 +13832,7 @@
               <a:tailEnd/>
             </a:ln>
             <a:extLst>
-              <a:ext uri="{909E8E84-426E-40DD-AFC4-6F175D3DCCD1}">
+              <a:ext uri="{909E8E84-426E-40dd-AFC4-6F175D3DCCD1}">
                 <a14:hiddenFill xmlns:a14="http://schemas.microsoft.com/office/drawing/2010/main">
                   <a:solidFill>
                     <a:srgbClr val="FFFFFF"/>
@@ -13905,7 +13905,7 @@
               <a:tailEnd/>
             </a:ln>
             <a:extLst>
-              <a:ext uri="{909E8E84-426E-40DD-AFC4-6F175D3DCCD1}">
+              <a:ext uri="{909E8E84-426E-40dd-AFC4-6F175D3DCCD1}">
                 <a14:hiddenFill xmlns:a14="http://schemas.microsoft.com/office/drawing/2010/main">
                   <a:solidFill>
                     <a:srgbClr val="FFFFFF"/>
@@ -13968,7 +13968,7 @@
               <a:tailEnd/>
             </a:ln>
             <a:extLst>
-              <a:ext uri="{909E8E84-426E-40DD-AFC4-6F175D3DCCD1}">
+              <a:ext uri="{909E8E84-426E-40dd-AFC4-6F175D3DCCD1}">
                 <a14:hiddenFill xmlns:a14="http://schemas.microsoft.com/office/drawing/2010/main">
                   <a:solidFill>
                     <a:srgbClr val="FFFFFF"/>
@@ -14021,7 +14021,7 @@
               <a:tailEnd/>
             </a:ln>
             <a:extLst>
-              <a:ext uri="{909E8E84-426E-40DD-AFC4-6F175D3DCCD1}">
+              <a:ext uri="{909E8E84-426E-40dd-AFC4-6F175D3DCCD1}">
                 <a14:hiddenFill xmlns:a14="http://schemas.microsoft.com/office/drawing/2010/main">
                   <a:solidFill>
                     <a:srgbClr val="FFFFFF"/>
@@ -14084,7 +14084,7 @@
               <a:tailEnd/>
             </a:ln>
             <a:extLst>
-              <a:ext uri="{909E8E84-426E-40DD-AFC4-6F175D3DCCD1}">
+              <a:ext uri="{909E8E84-426E-40dd-AFC4-6F175D3DCCD1}">
                 <a14:hiddenFill xmlns:a14="http://schemas.microsoft.com/office/drawing/2010/main">
                   <a:solidFill>
                     <a:srgbClr val="FFFFFF"/>
@@ -14142,7 +14142,7 @@
               <a:tailEnd/>
             </a:ln>
             <a:extLst>
-              <a:ext uri="{909E8E84-426E-40DD-AFC4-6F175D3DCCD1}">
+              <a:ext uri="{909E8E84-426E-40dd-AFC4-6F175D3DCCD1}">
                 <a14:hiddenFill xmlns:a14="http://schemas.microsoft.com/office/drawing/2010/main">
                   <a:solidFill>
                     <a:srgbClr val="FFFFFF"/>
@@ -14195,7 +14195,7 @@
               <a:tailEnd/>
             </a:ln>
             <a:extLst>
-              <a:ext uri="{909E8E84-426E-40DD-AFC4-6F175D3DCCD1}">
+              <a:ext uri="{909E8E84-426E-40dd-AFC4-6F175D3DCCD1}">
                 <a14:hiddenFill xmlns:a14="http://schemas.microsoft.com/office/drawing/2010/main">
                   <a:solidFill>
                     <a:srgbClr val="FFFFFF"/>
@@ -14253,7 +14253,7 @@
               <a:tailEnd/>
             </a:ln>
             <a:extLst>
-              <a:ext uri="{909E8E84-426E-40DD-AFC4-6F175D3DCCD1}">
+              <a:ext uri="{909E8E84-426E-40dd-AFC4-6F175D3DCCD1}">
                 <a14:hiddenFill xmlns:a14="http://schemas.microsoft.com/office/drawing/2010/main">
                   <a:solidFill>
                     <a:srgbClr val="FFFFFF"/>
@@ -14306,7 +14306,7 @@
               <a:tailEnd/>
             </a:ln>
             <a:extLst>
-              <a:ext uri="{909E8E84-426E-40DD-AFC4-6F175D3DCCD1}">
+              <a:ext uri="{909E8E84-426E-40dd-AFC4-6F175D3DCCD1}">
                 <a14:hiddenFill xmlns:a14="http://schemas.microsoft.com/office/drawing/2010/main">
                   <a:solidFill>
                     <a:srgbClr val="FFFFFF"/>
@@ -14364,7 +14364,7 @@
               <a:tailEnd/>
             </a:ln>
             <a:extLst>
-              <a:ext uri="{909E8E84-426E-40DD-AFC4-6F175D3DCCD1}">
+              <a:ext uri="{909E8E84-426E-40dd-AFC4-6F175D3DCCD1}">
                 <a14:hiddenFill xmlns:a14="http://schemas.microsoft.com/office/drawing/2010/main">
                   <a:solidFill>
                     <a:srgbClr val="FFFFFF"/>
@@ -14417,7 +14417,7 @@
               <a:tailEnd/>
             </a:ln>
             <a:extLst>
-              <a:ext uri="{909E8E84-426E-40DD-AFC4-6F175D3DCCD1}">
+              <a:ext uri="{909E8E84-426E-40dd-AFC4-6F175D3DCCD1}">
                 <a14:hiddenFill xmlns:a14="http://schemas.microsoft.com/office/drawing/2010/main">
                   <a:solidFill>
                     <a:srgbClr val="FFFFFF"/>
@@ -14475,7 +14475,7 @@
               <a:tailEnd/>
             </a:ln>
             <a:extLst>
-              <a:ext uri="{909E8E84-426E-40DD-AFC4-6F175D3DCCD1}">
+              <a:ext uri="{909E8E84-426E-40dd-AFC4-6F175D3DCCD1}">
                 <a14:hiddenFill xmlns:a14="http://schemas.microsoft.com/office/drawing/2010/main">
                   <a:solidFill>
                     <a:srgbClr val="FFFFFF"/>
@@ -14533,7 +14533,7 @@
               <a:tailEnd/>
             </a:ln>
             <a:extLst>
-              <a:ext uri="{909E8E84-426E-40DD-AFC4-6F175D3DCCD1}">
+              <a:ext uri="{909E8E84-426E-40dd-AFC4-6F175D3DCCD1}">
                 <a14:hiddenFill xmlns:a14="http://schemas.microsoft.com/office/drawing/2010/main">
                   <a:solidFill>
                     <a:srgbClr val="FFFFFF"/>
@@ -14591,7 +14591,7 @@
               <a:tailEnd/>
             </a:ln>
             <a:extLst>
-              <a:ext uri="{909E8E84-426E-40DD-AFC4-6F175D3DCCD1}">
+              <a:ext uri="{909E8E84-426E-40dd-AFC4-6F175D3DCCD1}">
                 <a14:hiddenFill xmlns:a14="http://schemas.microsoft.com/office/drawing/2010/main">
                   <a:solidFill>
                     <a:srgbClr val="FFFFFF"/>
@@ -14644,7 +14644,7 @@
               <a:tailEnd/>
             </a:ln>
             <a:extLst>
-              <a:ext uri="{909E8E84-426E-40DD-AFC4-6F175D3DCCD1}">
+              <a:ext uri="{909E8E84-426E-40dd-AFC4-6F175D3DCCD1}">
                 <a14:hiddenFill xmlns:a14="http://schemas.microsoft.com/office/drawing/2010/main">
                   <a:solidFill>
                     <a:srgbClr val="FFFFFF"/>
@@ -14697,7 +14697,7 @@
               <a:tailEnd/>
             </a:ln>
             <a:extLst>
-              <a:ext uri="{909E8E84-426E-40DD-AFC4-6F175D3DCCD1}">
+              <a:ext uri="{909E8E84-426E-40dd-AFC4-6F175D3DCCD1}">
                 <a14:hiddenFill xmlns:a14="http://schemas.microsoft.com/office/drawing/2010/main">
                   <a:solidFill>
                     <a:srgbClr val="FFFFFF"/>
@@ -14750,7 +14750,7 @@
               <a:tailEnd/>
             </a:ln>
             <a:extLst>
-              <a:ext uri="{909E8E84-426E-40DD-AFC4-6F175D3DCCD1}">
+              <a:ext uri="{909E8E84-426E-40dd-AFC4-6F175D3DCCD1}">
                 <a14:hiddenFill xmlns:a14="http://schemas.microsoft.com/office/drawing/2010/main">
                   <a:solidFill>
                     <a:srgbClr val="FFFFFF"/>
@@ -14803,7 +14803,7 @@
               <a:tailEnd/>
             </a:ln>
             <a:extLst>
-              <a:ext uri="{909E8E84-426E-40DD-AFC4-6F175D3DCCD1}">
+              <a:ext uri="{909E8E84-426E-40dd-AFC4-6F175D3DCCD1}">
                 <a14:hiddenFill xmlns:a14="http://schemas.microsoft.com/office/drawing/2010/main">
                   <a:solidFill>
                     <a:srgbClr val="FFFFFF"/>
@@ -15150,7 +15150,7 @@
           <a:p>
             <a:fld id="{35E72C73-2D91-4E12-BA25-F0AA0C03599B}" type="datetimeFigureOut">
               <a:rPr lang="en-US" smtClean="0"/>
-              <a:t>6/27/19</a:t>
+              <a:t>6/28/19</a:t>
             </a:fld>
             <a:endParaRPr lang="en-US" dirty="0"/>
           </a:p>
@@ -15374,7 +15374,7 @@
           <a:p>
             <a:fld id="{2BE451C3-0FF4-47C4-B829-773ADF60F88C}" type="datetimeFigureOut">
               <a:rPr lang="en-US" smtClean="0"/>
-              <a:t>6/27/19</a:t>
+              <a:t>6/28/19</a:t>
             </a:fld>
             <a:endParaRPr lang="en-US" dirty="0"/>
           </a:p>
@@ -15832,7 +15832,7 @@
           <p:cNvPr id="2" name="Title 1">
             <a:extLst>
               <a:ext uri="{FF2B5EF4-FFF2-40B4-BE49-F238E27FC236}">
-                <a16:creationId xmlns:a16="http://schemas.microsoft.com/office/drawing/2014/main" id="{9B90B353-0AA1-8542-B353-79E638914628}"/>
+                <a16:creationId xmlns:a16="http://schemas.microsoft.com/office/drawing/2014/main" xmlns="" id="{9B90B353-0AA1-8542-B353-79E638914628}"/>
               </a:ext>
             </a:extLst>
           </p:cNvPr>
@@ -15861,7 +15861,7 @@
           <p:cNvPr id="3" name="Subtitle 2">
             <a:extLst>
               <a:ext uri="{FF2B5EF4-FFF2-40B4-BE49-F238E27FC236}">
-                <a16:creationId xmlns:a16="http://schemas.microsoft.com/office/drawing/2014/main" id="{5E438855-64F5-7140-B69B-35B5BF71AC4F}"/>
+                <a16:creationId xmlns:a16="http://schemas.microsoft.com/office/drawing/2014/main" xmlns="" id="{5E438855-64F5-7140-B69B-35B5BF71AC4F}"/>
               </a:ext>
             </a:extLst>
           </p:cNvPr>
@@ -15881,8 +15881,25 @@
           <a:p>
             <a:r>
               <a:rPr lang="en-US" sz="2000" dirty="0"/>
-              <a:t>Kevin Benton, Pablo Calix, Derek Brown, John Senegal</a:t>
+              <a:t>Kevin Benton, Pablo Calix, </a:t>
             </a:r>
+            <a:r>
+              <a:rPr lang="en-US" sz="2000"/>
+              <a:t>Derek </a:t>
+            </a:r>
+            <a:r>
+              <a:rPr lang="en-US" sz="2000" smtClean="0"/>
+              <a:t>Morris Jr., </a:t>
+            </a:r>
+            <a:r>
+              <a:rPr lang="en-US" sz="2000"/>
+              <a:t>John </a:t>
+            </a:r>
+            <a:r>
+              <a:rPr lang="en-US" sz="2000" smtClean="0"/>
+              <a:t>Senegal II</a:t>
+            </a:r>
+            <a:endParaRPr lang="en-US" sz="2000" dirty="0"/>
           </a:p>
         </p:txBody>
       </p:sp>
@@ -15921,7 +15938,7 @@
           <p:cNvPr id="2" name="Title 1">
             <a:extLst>
               <a:ext uri="{FF2B5EF4-FFF2-40B4-BE49-F238E27FC236}">
-                <a16:creationId xmlns:a16="http://schemas.microsoft.com/office/drawing/2014/main" id="{B8A45041-04F9-2842-BC25-18E3DA647A2D}"/>
+                <a16:creationId xmlns:a16="http://schemas.microsoft.com/office/drawing/2014/main" xmlns="" id="{B8A45041-04F9-2842-BC25-18E3DA647A2D}"/>
               </a:ext>
             </a:extLst>
           </p:cNvPr>
@@ -15949,7 +15966,7 @@
           <p:cNvPr id="4" name="Picture 3">
             <a:extLst>
               <a:ext uri="{FF2B5EF4-FFF2-40B4-BE49-F238E27FC236}">
-                <a16:creationId xmlns:a16="http://schemas.microsoft.com/office/drawing/2014/main" id="{4A52A4A8-A392-2246-9FC7-4C0C68C6312B}"/>
+                <a16:creationId xmlns:a16="http://schemas.microsoft.com/office/drawing/2014/main" xmlns="" id="{4A52A4A8-A392-2246-9FC7-4C0C68C6312B}"/>
               </a:ext>
             </a:extLst>
           </p:cNvPr>
@@ -16009,7 +16026,7 @@
           <p:cNvPr id="2" name="Title 1">
             <a:extLst>
               <a:ext uri="{FF2B5EF4-FFF2-40B4-BE49-F238E27FC236}">
-                <a16:creationId xmlns:a16="http://schemas.microsoft.com/office/drawing/2014/main" id="{33F1E442-DDA3-0447-9AF8-B874141FE96C}"/>
+                <a16:creationId xmlns:a16="http://schemas.microsoft.com/office/drawing/2014/main" xmlns="" id="{33F1E442-DDA3-0447-9AF8-B874141FE96C}"/>
               </a:ext>
             </a:extLst>
           </p:cNvPr>
@@ -16037,7 +16054,7 @@
           <p:cNvPr id="3" name="Content Placeholder 2">
             <a:extLst>
               <a:ext uri="{FF2B5EF4-FFF2-40B4-BE49-F238E27FC236}">
-                <a16:creationId xmlns:a16="http://schemas.microsoft.com/office/drawing/2014/main" id="{6964F960-FCD7-9144-8501-0747B5872AEC}"/>
+                <a16:creationId xmlns:a16="http://schemas.microsoft.com/office/drawing/2014/main" xmlns="" id="{6964F960-FCD7-9144-8501-0747B5872AEC}"/>
               </a:ext>
             </a:extLst>
           </p:cNvPr>
@@ -16128,7 +16145,7 @@
     </a:clrScheme>
     <a:fontScheme name="Atlas">
       <a:majorFont>
-        <a:latin typeface="Calibri Light" panose="020F0302020204030204"/>
+        <a:latin typeface="Calibri Light"/>
         <a:ea typeface=""/>
         <a:cs typeface=""/>
         <a:font script="Jpan" typeface="ＭＳ Ｐゴシック"/>
@@ -16163,7 +16180,7 @@
         <a:font script="Geor" typeface="Sylfaen"/>
       </a:majorFont>
       <a:minorFont>
-        <a:latin typeface="Rockwell" panose="02060603020205020403"/>
+        <a:latin typeface="Rockwell"/>
         <a:ea typeface=""/>
         <a:cs typeface=""/>
         <a:font script="Jpan" typeface="ＭＳ Ｐゴシック"/>
@@ -16336,7 +16353,7 @@
   <a:extraClrSchemeLst/>
   <a:extLst>
     <a:ext uri="{05A4C25C-085E-4340-85A3-A5531E510DB2}">
-      <thm15:themeFamily xmlns:thm15="http://schemas.microsoft.com/office/thememl/2012/main" name="Atlas" id="{5156B0E4-0EB1-49FE-A26B-15F6F698AEC6}" vid="{29B3952A-A5A2-4E72-A5C9-A88B41734E04}"/>
+      <thm15:themeFamily xmlns:thm15="http://schemas.microsoft.com/office/thememl/2012/main" xmlns="" name="Atlas" id="{5156B0E4-0EB1-49FE-A26B-15F6F698AEC6}" vid="{29B3952A-A5A2-4E72-A5C9-A88B41734E04}"/>
     </a:ext>
   </a:extLst>
 </a:theme>
